--- a/raman_week7.pptx
+++ b/raman_week7.pptx
@@ -16,6 +16,7 @@
     <p:sldId id="266" r:id="rId10"/>
     <p:sldId id="267" r:id="rId11"/>
     <p:sldId id="268" r:id="rId12"/>
+    <p:sldId id="269" r:id="rId13"/>
   </p:sldIdLst>
   <p:sldSz cx="12192000" cy="6858000"/>
   <p:notesSz cx="6858000" cy="9144000"/>
@@ -4149,7 +4150,7 @@
             </a:br>
             <a:r>
               <a:rPr lang="en-US" sz="1500" dirty="0"/>
-              <a:t>Ideally it would be nice to remove the plot files, and be able to plot them each time. This would:</a:t>
+              <a:t>Ideally it would be nice to remove the plot files and be able to plot them each time. This would:</a:t>
             </a:r>
             <a:br>
               <a:rPr lang="en-US" sz="1500" dirty="0"/>
@@ -4183,7 +4184,7 @@
             </a:br>
             <a:r>
               <a:rPr lang="en-US" sz="1500" dirty="0"/>
-              <a:t>For now, the user can fill the field and the value is correctly passed to the function back-end, but it is not used.</a:t>
+              <a:t>For now, the user can fill the field, and the value is correctly passed to the function back-end, but it is not used.</a:t>
             </a:r>
           </a:p>
         </p:txBody>
@@ -4497,6 +4498,114 @@
     <p:extLst>
       <p:ext uri="{BB962C8B-B14F-4D97-AF65-F5344CB8AC3E}">
         <p14:creationId xmlns:p14="http://schemas.microsoft.com/office/powerpoint/2010/main" val="1067149286"/>
+      </p:ext>
+    </p:extLst>
+  </p:cSld>
+  <p:clrMapOvr>
+    <a:masterClrMapping/>
+  </p:clrMapOvr>
+</p:sld>
+</file>
+
+<file path=ppt/slides/slide12.xml><?xml version="1.0" encoding="utf-8"?>
+<p:sld xmlns:a="http://schemas.openxmlformats.org/drawingml/2006/main" xmlns:r="http://schemas.openxmlformats.org/officeDocument/2006/relationships" xmlns:p="http://schemas.openxmlformats.org/presentationml/2006/main">
+  <p:cSld>
+    <p:spTree>
+      <p:nvGrpSpPr>
+        <p:cNvPr id="1" name=""/>
+        <p:cNvGrpSpPr/>
+        <p:nvPr/>
+      </p:nvGrpSpPr>
+      <p:grpSpPr>
+        <a:xfrm>
+          <a:off x="0" y="0"/>
+          <a:ext cx="0" cy="0"/>
+          <a:chOff x="0" y="0"/>
+          <a:chExt cx="0" cy="0"/>
+        </a:xfrm>
+      </p:grpSpPr>
+      <p:sp>
+        <p:nvSpPr>
+          <p:cNvPr id="2" name="Title 1">
+            <a:extLst>
+              <a:ext uri="{FF2B5EF4-FFF2-40B4-BE49-F238E27FC236}">
+                <a16:creationId xmlns:a16="http://schemas.microsoft.com/office/drawing/2014/main" id="{86D4C035-EFB6-2466-21A3-CF980EEB8908}"/>
+              </a:ext>
+            </a:extLst>
+          </p:cNvPr>
+          <p:cNvSpPr>
+            <a:spLocks noGrp="1"/>
+          </p:cNvSpPr>
+          <p:nvPr>
+            <p:ph type="title"/>
+          </p:nvPr>
+        </p:nvSpPr>
+        <p:spPr>
+          <a:xfrm>
+            <a:off x="3994150" y="910431"/>
+            <a:ext cx="8064500" cy="3692525"/>
+          </a:xfrm>
+        </p:spPr>
+        <p:txBody>
+          <a:bodyPr>
+            <a:normAutofit/>
+          </a:bodyPr>
+          <a:lstStyle/>
+          <a:p>
+            <a:r>
+              <a:rPr lang="en-US" sz="1800" dirty="0"/>
+              <a:t>This field can have a default (such as UNKNOWN) so that the user can make tests even without being formal.</a:t>
+            </a:r>
+            <a:br>
+              <a:rPr lang="en-US" sz="1800" dirty="0"/>
+            </a:br>
+            <a:br>
+              <a:rPr lang="en-US" sz="1800" dirty="0"/>
+            </a:br>
+            <a:r>
+              <a:rPr lang="en-US" sz="1800" dirty="0"/>
+              <a:t>Since there is going to be a back-and-fourth between the user testing the different baselines algorithms and uploading test samples.</a:t>
+            </a:r>
+            <a:endParaRPr lang="en-CH" sz="1800" dirty="0"/>
+          </a:p>
+        </p:txBody>
+      </p:sp>
+      <p:pic>
+        <p:nvPicPr>
+          <p:cNvPr id="5" name="Content Placeholder 4">
+            <a:extLst>
+              <a:ext uri="{FF2B5EF4-FFF2-40B4-BE49-F238E27FC236}">
+                <a16:creationId xmlns:a16="http://schemas.microsoft.com/office/drawing/2014/main" id="{2539D819-4CFA-7B31-E5E2-7F2A8965F180}"/>
+              </a:ext>
+            </a:extLst>
+          </p:cNvPr>
+          <p:cNvPicPr>
+            <a:picLocks noGrp="1" noChangeAspect="1"/>
+          </p:cNvPicPr>
+          <p:nvPr>
+            <p:ph idx="1"/>
+          </p:nvPr>
+        </p:nvPicPr>
+        <p:blipFill>
+          <a:blip r:embed="rId2"/>
+          <a:stretch>
+            <a:fillRect/>
+          </a:stretch>
+        </p:blipFill>
+        <p:spPr>
+          <a:xfrm>
+            <a:off x="464913" y="2299430"/>
+            <a:ext cx="3210373" cy="914528"/>
+          </a:xfrm>
+          <a:prstGeom prst="rect">
+            <a:avLst/>
+          </a:prstGeom>
+        </p:spPr>
+      </p:pic>
+    </p:spTree>
+    <p:extLst>
+      <p:ext uri="{BB962C8B-B14F-4D97-AF65-F5344CB8AC3E}">
+        <p14:creationId xmlns:p14="http://schemas.microsoft.com/office/powerpoint/2010/main" val="2190913361"/>
       </p:ext>
     </p:extLst>
   </p:cSld>

--- a/raman_week7.pptx
+++ b/raman_week7.pptx
@@ -272,7 +272,7 @@
           <a:p>
             <a:fld id="{6822D85E-D2FB-42BA-8FC7-836FE23099A3}" type="datetimeFigureOut">
               <a:rPr lang="en-CH" smtClean="0"/>
-              <a:t>24.10.2025</a:t>
+              <a:t>31.10.2025</a:t>
             </a:fld>
             <a:endParaRPr lang="en-CH"/>
           </a:p>
@@ -472,7 +472,7 @@
           <a:p>
             <a:fld id="{6822D85E-D2FB-42BA-8FC7-836FE23099A3}" type="datetimeFigureOut">
               <a:rPr lang="en-CH" smtClean="0"/>
-              <a:t>24.10.2025</a:t>
+              <a:t>31.10.2025</a:t>
             </a:fld>
             <a:endParaRPr lang="en-CH"/>
           </a:p>
@@ -682,7 +682,7 @@
           <a:p>
             <a:fld id="{6822D85E-D2FB-42BA-8FC7-836FE23099A3}" type="datetimeFigureOut">
               <a:rPr lang="en-CH" smtClean="0"/>
-              <a:t>24.10.2025</a:t>
+              <a:t>31.10.2025</a:t>
             </a:fld>
             <a:endParaRPr lang="en-CH"/>
           </a:p>
@@ -882,7 +882,7 @@
           <a:p>
             <a:fld id="{6822D85E-D2FB-42BA-8FC7-836FE23099A3}" type="datetimeFigureOut">
               <a:rPr lang="en-CH" smtClean="0"/>
-              <a:t>24.10.2025</a:t>
+              <a:t>31.10.2025</a:t>
             </a:fld>
             <a:endParaRPr lang="en-CH"/>
           </a:p>
@@ -1158,7 +1158,7 @@
           <a:p>
             <a:fld id="{6822D85E-D2FB-42BA-8FC7-836FE23099A3}" type="datetimeFigureOut">
               <a:rPr lang="en-CH" smtClean="0"/>
-              <a:t>24.10.2025</a:t>
+              <a:t>31.10.2025</a:t>
             </a:fld>
             <a:endParaRPr lang="en-CH"/>
           </a:p>
@@ -1426,7 +1426,7 @@
           <a:p>
             <a:fld id="{6822D85E-D2FB-42BA-8FC7-836FE23099A3}" type="datetimeFigureOut">
               <a:rPr lang="en-CH" smtClean="0"/>
-              <a:t>24.10.2025</a:t>
+              <a:t>31.10.2025</a:t>
             </a:fld>
             <a:endParaRPr lang="en-CH"/>
           </a:p>
@@ -1841,7 +1841,7 @@
           <a:p>
             <a:fld id="{6822D85E-D2FB-42BA-8FC7-836FE23099A3}" type="datetimeFigureOut">
               <a:rPr lang="en-CH" smtClean="0"/>
-              <a:t>24.10.2025</a:t>
+              <a:t>31.10.2025</a:t>
             </a:fld>
             <a:endParaRPr lang="en-CH"/>
           </a:p>
@@ -1983,7 +1983,7 @@
           <a:p>
             <a:fld id="{6822D85E-D2FB-42BA-8FC7-836FE23099A3}" type="datetimeFigureOut">
               <a:rPr lang="en-CH" smtClean="0"/>
-              <a:t>24.10.2025</a:t>
+              <a:t>31.10.2025</a:t>
             </a:fld>
             <a:endParaRPr lang="en-CH"/>
           </a:p>
@@ -2096,7 +2096,7 @@
           <a:p>
             <a:fld id="{6822D85E-D2FB-42BA-8FC7-836FE23099A3}" type="datetimeFigureOut">
               <a:rPr lang="en-CH" smtClean="0"/>
-              <a:t>24.10.2025</a:t>
+              <a:t>31.10.2025</a:t>
             </a:fld>
             <a:endParaRPr lang="en-CH"/>
           </a:p>
@@ -2409,7 +2409,7 @@
           <a:p>
             <a:fld id="{6822D85E-D2FB-42BA-8FC7-836FE23099A3}" type="datetimeFigureOut">
               <a:rPr lang="en-CH" smtClean="0"/>
-              <a:t>24.10.2025</a:t>
+              <a:t>31.10.2025</a:t>
             </a:fld>
             <a:endParaRPr lang="en-CH"/>
           </a:p>
@@ -2698,7 +2698,7 @@
           <a:p>
             <a:fld id="{6822D85E-D2FB-42BA-8FC7-836FE23099A3}" type="datetimeFigureOut">
               <a:rPr lang="en-CH" smtClean="0"/>
-              <a:t>24.10.2025</a:t>
+              <a:t>31.10.2025</a:t>
             </a:fld>
             <a:endParaRPr lang="en-CH"/>
           </a:p>
@@ -2941,7 +2941,7 @@
           <a:p>
             <a:fld id="{6822D85E-D2FB-42BA-8FC7-836FE23099A3}" type="datetimeFigureOut">
               <a:rPr lang="en-CH" smtClean="0"/>
-              <a:t>24.10.2025</a:t>
+              <a:t>31.10.2025</a:t>
             </a:fld>
             <a:endParaRPr lang="en-CH"/>
           </a:p>

--- a/raman_week7.pptx
+++ b/raman_week7.pptx
@@ -5,18 +5,8 @@
     <p:sldMasterId id="2147483648" r:id="rId1"/>
   </p:sldMasterIdLst>
   <p:sldIdLst>
-    <p:sldId id="261" r:id="rId2"/>
-    <p:sldId id="262" r:id="rId3"/>
-    <p:sldId id="263" r:id="rId4"/>
-    <p:sldId id="264" r:id="rId5"/>
-    <p:sldId id="259" r:id="rId6"/>
-    <p:sldId id="260" r:id="rId7"/>
-    <p:sldId id="258" r:id="rId8"/>
-    <p:sldId id="265" r:id="rId9"/>
-    <p:sldId id="266" r:id="rId10"/>
-    <p:sldId id="267" r:id="rId11"/>
-    <p:sldId id="268" r:id="rId12"/>
-    <p:sldId id="269" r:id="rId13"/>
+    <p:sldId id="268" r:id="rId2"/>
+    <p:sldId id="269" r:id="rId3"/>
   </p:sldIdLst>
   <p:sldSz cx="12192000" cy="6858000"/>
   <p:notesSz cx="6858000" cy="9144000"/>
@@ -272,7 +262,7 @@
           <a:p>
             <a:fld id="{6822D85E-D2FB-42BA-8FC7-836FE23099A3}" type="datetimeFigureOut">
               <a:rPr lang="en-CH" smtClean="0"/>
-              <a:t>31.10.2025</a:t>
+              <a:t>10/31/2025</a:t>
             </a:fld>
             <a:endParaRPr lang="en-CH"/>
           </a:p>
@@ -472,7 +462,7 @@
           <a:p>
             <a:fld id="{6822D85E-D2FB-42BA-8FC7-836FE23099A3}" type="datetimeFigureOut">
               <a:rPr lang="en-CH" smtClean="0"/>
-              <a:t>31.10.2025</a:t>
+              <a:t>10/31/2025</a:t>
             </a:fld>
             <a:endParaRPr lang="en-CH"/>
           </a:p>
@@ -682,7 +672,7 @@
           <a:p>
             <a:fld id="{6822D85E-D2FB-42BA-8FC7-836FE23099A3}" type="datetimeFigureOut">
               <a:rPr lang="en-CH" smtClean="0"/>
-              <a:t>31.10.2025</a:t>
+              <a:t>10/31/2025</a:t>
             </a:fld>
             <a:endParaRPr lang="en-CH"/>
           </a:p>
@@ -882,7 +872,7 @@
           <a:p>
             <a:fld id="{6822D85E-D2FB-42BA-8FC7-836FE23099A3}" type="datetimeFigureOut">
               <a:rPr lang="en-CH" smtClean="0"/>
-              <a:t>31.10.2025</a:t>
+              <a:t>10/31/2025</a:t>
             </a:fld>
             <a:endParaRPr lang="en-CH"/>
           </a:p>
@@ -1158,7 +1148,7 @@
           <a:p>
             <a:fld id="{6822D85E-D2FB-42BA-8FC7-836FE23099A3}" type="datetimeFigureOut">
               <a:rPr lang="en-CH" smtClean="0"/>
-              <a:t>31.10.2025</a:t>
+              <a:t>10/31/2025</a:t>
             </a:fld>
             <a:endParaRPr lang="en-CH"/>
           </a:p>
@@ -1426,7 +1416,7 @@
           <a:p>
             <a:fld id="{6822D85E-D2FB-42BA-8FC7-836FE23099A3}" type="datetimeFigureOut">
               <a:rPr lang="en-CH" smtClean="0"/>
-              <a:t>31.10.2025</a:t>
+              <a:t>10/31/2025</a:t>
             </a:fld>
             <a:endParaRPr lang="en-CH"/>
           </a:p>
@@ -1841,7 +1831,7 @@
           <a:p>
             <a:fld id="{6822D85E-D2FB-42BA-8FC7-836FE23099A3}" type="datetimeFigureOut">
               <a:rPr lang="en-CH" smtClean="0"/>
-              <a:t>31.10.2025</a:t>
+              <a:t>10/31/2025</a:t>
             </a:fld>
             <a:endParaRPr lang="en-CH"/>
           </a:p>
@@ -1983,7 +1973,7 @@
           <a:p>
             <a:fld id="{6822D85E-D2FB-42BA-8FC7-836FE23099A3}" type="datetimeFigureOut">
               <a:rPr lang="en-CH" smtClean="0"/>
-              <a:t>31.10.2025</a:t>
+              <a:t>10/31/2025</a:t>
             </a:fld>
             <a:endParaRPr lang="en-CH"/>
           </a:p>
@@ -2096,7 +2086,7 @@
           <a:p>
             <a:fld id="{6822D85E-D2FB-42BA-8FC7-836FE23099A3}" type="datetimeFigureOut">
               <a:rPr lang="en-CH" smtClean="0"/>
-              <a:t>31.10.2025</a:t>
+              <a:t>10/31/2025</a:t>
             </a:fld>
             <a:endParaRPr lang="en-CH"/>
           </a:p>
@@ -2409,7 +2399,7 @@
           <a:p>
             <a:fld id="{6822D85E-D2FB-42BA-8FC7-836FE23099A3}" type="datetimeFigureOut">
               <a:rPr lang="en-CH" smtClean="0"/>
-              <a:t>31.10.2025</a:t>
+              <a:t>10/31/2025</a:t>
             </a:fld>
             <a:endParaRPr lang="en-CH"/>
           </a:p>
@@ -2698,7 +2688,7 @@
           <a:p>
             <a:fld id="{6822D85E-D2FB-42BA-8FC7-836FE23099A3}" type="datetimeFigureOut">
               <a:rPr lang="en-CH" smtClean="0"/>
-              <a:t>31.10.2025</a:t>
+              <a:t>10/31/2025</a:t>
             </a:fld>
             <a:endParaRPr lang="en-CH"/>
           </a:p>
@@ -2941,7 +2931,7 @@
           <a:p>
             <a:fld id="{6822D85E-D2FB-42BA-8FC7-836FE23099A3}" type="datetimeFigureOut">
               <a:rPr lang="en-CH" smtClean="0"/>
-              <a:t>31.10.2025</a:t>
+              <a:t>10/31/2025</a:t>
             </a:fld>
             <a:endParaRPr lang="en-CH"/>
           </a:p>
@@ -3344,667 +3334,6 @@
 <file path=ppt/slides/slide1.xml><?xml version="1.0" encoding="utf-8"?>
 <p:sld xmlns:a="http://schemas.openxmlformats.org/drawingml/2006/main" xmlns:r="http://schemas.openxmlformats.org/officeDocument/2006/relationships" xmlns:p="http://schemas.openxmlformats.org/presentationml/2006/main">
   <p:cSld>
-    <p:spTree>
-      <p:nvGrpSpPr>
-        <p:cNvPr id="1" name=""/>
-        <p:cNvGrpSpPr/>
-        <p:nvPr/>
-      </p:nvGrpSpPr>
-      <p:grpSpPr>
-        <a:xfrm>
-          <a:off x="0" y="0"/>
-          <a:ext cx="0" cy="0"/>
-          <a:chOff x="0" y="0"/>
-          <a:chExt cx="0" cy="0"/>
-        </a:xfrm>
-      </p:grpSpPr>
-      <p:sp>
-        <p:nvSpPr>
-          <p:cNvPr id="2" name="Title 1">
-            <a:extLst>
-              <a:ext uri="{FF2B5EF4-FFF2-40B4-BE49-F238E27FC236}">
-                <a16:creationId xmlns:a16="http://schemas.microsoft.com/office/drawing/2014/main" id="{9F553C9B-4A62-4AFA-BE9B-3E33A245A8CB}"/>
-              </a:ext>
-            </a:extLst>
-          </p:cNvPr>
-          <p:cNvSpPr>
-            <a:spLocks noGrp="1"/>
-          </p:cNvSpPr>
-          <p:nvPr>
-            <p:ph type="ctrTitle"/>
-          </p:nvPr>
-        </p:nvSpPr>
-        <p:spPr>
-          <a:xfrm>
-            <a:off x="-945821" y="113413"/>
-            <a:ext cx="5046482" cy="504047"/>
-          </a:xfrm>
-        </p:spPr>
-        <p:txBody>
-          <a:bodyPr>
-            <a:normAutofit/>
-          </a:bodyPr>
-          <a:lstStyle/>
-          <a:p>
-            <a:r>
-              <a:rPr lang="en-US" sz="2400" dirty="0"/>
-              <a:t>Architecture pipeline</a:t>
-            </a:r>
-            <a:endParaRPr lang="en-CH" sz="2400" dirty="0"/>
-          </a:p>
-        </p:txBody>
-      </p:sp>
-      <p:pic>
-        <p:nvPicPr>
-          <p:cNvPr id="5" name="Picture 4">
-            <a:extLst>
-              <a:ext uri="{FF2B5EF4-FFF2-40B4-BE49-F238E27FC236}">
-                <a16:creationId xmlns:a16="http://schemas.microsoft.com/office/drawing/2014/main" id="{BF394FAE-A03D-BA42-90D5-6B305A0B7E61}"/>
-              </a:ext>
-            </a:extLst>
-          </p:cNvPr>
-          <p:cNvPicPr>
-            <a:picLocks noChangeAspect="1"/>
-          </p:cNvPicPr>
-          <p:nvPr/>
-        </p:nvPicPr>
-        <p:blipFill>
-          <a:blip r:embed="rId2"/>
-          <a:stretch>
-            <a:fillRect/>
-          </a:stretch>
-        </p:blipFill>
-        <p:spPr>
-          <a:xfrm>
-            <a:off x="175968" y="1036951"/>
-            <a:ext cx="6077798" cy="1352739"/>
-          </a:xfrm>
-          <a:prstGeom prst="rect">
-            <a:avLst/>
-          </a:prstGeom>
-        </p:spPr>
-      </p:pic>
-      <p:sp>
-        <p:nvSpPr>
-          <p:cNvPr id="13" name="Freeform: Shape 12">
-            <a:extLst>
-              <a:ext uri="{FF2B5EF4-FFF2-40B4-BE49-F238E27FC236}">
-                <a16:creationId xmlns:a16="http://schemas.microsoft.com/office/drawing/2014/main" id="{08BAD736-F0B6-AA93-3B98-E69A4A9B351B}"/>
-              </a:ext>
-            </a:extLst>
-          </p:cNvPr>
-          <p:cNvSpPr/>
-          <p:nvPr/>
-        </p:nvSpPr>
-        <p:spPr>
-          <a:xfrm>
-            <a:off x="3110845" y="1055802"/>
-            <a:ext cx="3035431" cy="895546"/>
-          </a:xfrm>
-          <a:custGeom>
-            <a:avLst/>
-            <a:gdLst>
-              <a:gd name="connsiteX0" fmla="*/ 1414021 w 3035431"/>
-              <a:gd name="connsiteY0" fmla="*/ 414779 h 895546"/>
-              <a:gd name="connsiteX1" fmla="*/ 1461155 w 3035431"/>
-              <a:gd name="connsiteY1" fmla="*/ 0 h 895546"/>
-              <a:gd name="connsiteX2" fmla="*/ 3026004 w 3035431"/>
-              <a:gd name="connsiteY2" fmla="*/ 37707 h 895546"/>
-              <a:gd name="connsiteX3" fmla="*/ 3035431 w 3035431"/>
-              <a:gd name="connsiteY3" fmla="*/ 895546 h 895546"/>
-              <a:gd name="connsiteX4" fmla="*/ 0 w 3035431"/>
-              <a:gd name="connsiteY4" fmla="*/ 886120 h 895546"/>
-              <a:gd name="connsiteX5" fmla="*/ 28281 w 3035431"/>
-              <a:gd name="connsiteY5" fmla="*/ 414779 h 895546"/>
-              <a:gd name="connsiteX6" fmla="*/ 1414021 w 3035431"/>
-              <a:gd name="connsiteY6" fmla="*/ 414779 h 895546"/>
-            </a:gdLst>
-            <a:ahLst/>
-            <a:cxnLst>
-              <a:cxn ang="0">
-                <a:pos x="connsiteX0" y="connsiteY0"/>
-              </a:cxn>
-              <a:cxn ang="0">
-                <a:pos x="connsiteX1" y="connsiteY1"/>
-              </a:cxn>
-              <a:cxn ang="0">
-                <a:pos x="connsiteX2" y="connsiteY2"/>
-              </a:cxn>
-              <a:cxn ang="0">
-                <a:pos x="connsiteX3" y="connsiteY3"/>
-              </a:cxn>
-              <a:cxn ang="0">
-                <a:pos x="connsiteX4" y="connsiteY4"/>
-              </a:cxn>
-              <a:cxn ang="0">
-                <a:pos x="connsiteX5" y="connsiteY5"/>
-              </a:cxn>
-              <a:cxn ang="0">
-                <a:pos x="connsiteX6" y="connsiteY6"/>
-              </a:cxn>
-            </a:cxnLst>
-            <a:rect l="l" t="t" r="r" b="b"/>
-            <a:pathLst>
-              <a:path w="3035431" h="895546">
-                <a:moveTo>
-                  <a:pt x="1414021" y="414779"/>
-                </a:moveTo>
-                <a:lnTo>
-                  <a:pt x="1461155" y="0"/>
-                </a:lnTo>
-                <a:lnTo>
-                  <a:pt x="3026004" y="37707"/>
-                </a:lnTo>
-                <a:lnTo>
-                  <a:pt x="3035431" y="895546"/>
-                </a:lnTo>
-                <a:lnTo>
-                  <a:pt x="0" y="886120"/>
-                </a:lnTo>
-                <a:lnTo>
-                  <a:pt x="28281" y="414779"/>
-                </a:lnTo>
-                <a:lnTo>
-                  <a:pt x="1414021" y="414779"/>
-                </a:lnTo>
-                <a:close/>
-              </a:path>
-            </a:pathLst>
-          </a:custGeom>
-          <a:noFill/>
-          <a:ln>
-            <a:solidFill>
-              <a:srgbClr val="C00000"/>
-            </a:solidFill>
-          </a:ln>
-        </p:spPr>
-        <p:style>
-          <a:lnRef idx="2">
-            <a:schemeClr val="accent1">
-              <a:shade val="15000"/>
-            </a:schemeClr>
-          </a:lnRef>
-          <a:fillRef idx="1">
-            <a:schemeClr val="accent1"/>
-          </a:fillRef>
-          <a:effectRef idx="0">
-            <a:schemeClr val="accent1"/>
-          </a:effectRef>
-          <a:fontRef idx="minor">
-            <a:schemeClr val="lt1"/>
-          </a:fontRef>
-        </p:style>
-        <p:txBody>
-          <a:bodyPr rtlCol="0" anchor="ctr"/>
-          <a:lstStyle/>
-          <a:p>
-            <a:pPr algn="ctr"/>
-            <a:endParaRPr lang="en-CH"/>
-          </a:p>
-        </p:txBody>
-      </p:sp>
-      <p:cxnSp>
-        <p:nvCxnSpPr>
-          <p:cNvPr id="17" name="Straight Arrow Connector 16">
-            <a:extLst>
-              <a:ext uri="{FF2B5EF4-FFF2-40B4-BE49-F238E27FC236}">
-                <a16:creationId xmlns:a16="http://schemas.microsoft.com/office/drawing/2014/main" id="{45635CBD-C415-AE5A-CBC9-7E6E4430A251}"/>
-              </a:ext>
-            </a:extLst>
-          </p:cNvPr>
-          <p:cNvCxnSpPr>
-            <a:cxnSpLocks/>
-          </p:cNvCxnSpPr>
-          <p:nvPr/>
-        </p:nvCxnSpPr>
-        <p:spPr>
-          <a:xfrm flipV="1">
-            <a:off x="6146276" y="1423447"/>
-            <a:ext cx="565609" cy="80128"/>
-          </a:xfrm>
-          <a:prstGeom prst="straightConnector1">
-            <a:avLst/>
-          </a:prstGeom>
-          <a:ln>
-            <a:solidFill>
-              <a:srgbClr val="C00000"/>
-            </a:solidFill>
-            <a:tailEnd type="triangle"/>
-          </a:ln>
-        </p:spPr>
-        <p:style>
-          <a:lnRef idx="2">
-            <a:schemeClr val="accent1"/>
-          </a:lnRef>
-          <a:fillRef idx="0">
-            <a:schemeClr val="accent1"/>
-          </a:fillRef>
-          <a:effectRef idx="1">
-            <a:schemeClr val="accent1"/>
-          </a:effectRef>
-          <a:fontRef idx="minor">
-            <a:schemeClr val="tx1"/>
-          </a:fontRef>
-        </p:style>
-      </p:cxnSp>
-      <p:sp>
-        <p:nvSpPr>
-          <p:cNvPr id="19" name="TextBox 18">
-            <a:extLst>
-              <a:ext uri="{FF2B5EF4-FFF2-40B4-BE49-F238E27FC236}">
-                <a16:creationId xmlns:a16="http://schemas.microsoft.com/office/drawing/2014/main" id="{F925F4B2-19E2-80F5-14D4-83ADCC3514CD}"/>
-              </a:ext>
-            </a:extLst>
-          </p:cNvPr>
-          <p:cNvSpPr txBox="1"/>
-          <p:nvPr/>
-        </p:nvSpPr>
-        <p:spPr>
-          <a:xfrm>
-            <a:off x="6711885" y="1238781"/>
-            <a:ext cx="1701620" cy="369332"/>
-          </a:xfrm>
-          <a:prstGeom prst="rect">
-            <a:avLst/>
-          </a:prstGeom>
-          <a:noFill/>
-        </p:spPr>
-        <p:txBody>
-          <a:bodyPr wrap="none" rtlCol="0">
-            <a:spAutoFit/>
-          </a:bodyPr>
-          <a:lstStyle/>
-          <a:p>
-            <a:r>
-              <a:rPr lang="en-US" dirty="0"/>
-              <a:t>Neural network</a:t>
-            </a:r>
-            <a:endParaRPr lang="en-CH" dirty="0"/>
-          </a:p>
-        </p:txBody>
-      </p:sp>
-      <p:sp>
-        <p:nvSpPr>
-          <p:cNvPr id="20" name="TextBox 19">
-            <a:extLst>
-              <a:ext uri="{FF2B5EF4-FFF2-40B4-BE49-F238E27FC236}">
-                <a16:creationId xmlns:a16="http://schemas.microsoft.com/office/drawing/2014/main" id="{E13A66CF-5C59-F3E6-DCF5-DB12CF29EB76}"/>
-              </a:ext>
-            </a:extLst>
-          </p:cNvPr>
-          <p:cNvSpPr txBox="1"/>
-          <p:nvPr/>
-        </p:nvSpPr>
-        <p:spPr>
-          <a:xfrm>
-            <a:off x="292231" y="2626308"/>
-            <a:ext cx="8748074" cy="2800767"/>
-          </a:xfrm>
-          <a:prstGeom prst="rect">
-            <a:avLst/>
-          </a:prstGeom>
-          <a:noFill/>
-        </p:spPr>
-        <p:txBody>
-          <a:bodyPr wrap="square" rtlCol="0">
-            <a:spAutoFit/>
-          </a:bodyPr>
-          <a:lstStyle/>
-          <a:p>
-            <a:r>
-              <a:rPr lang="en-US" dirty="0"/>
-              <a:t>Objectives of the NN :</a:t>
-            </a:r>
-          </a:p>
-          <a:p>
-            <a:pPr marL="285750" indent="-285750">
-              <a:buFontTx/>
-              <a:buChar char="-"/>
-            </a:pPr>
-            <a:r>
-              <a:rPr lang="en-US" dirty="0"/>
-              <a:t>Match a test sample with a type of microplastic. </a:t>
-            </a:r>
-          </a:p>
-          <a:p>
-            <a:pPr lvl="1"/>
-            <a:r>
-              <a:rPr lang="en-US" sz="1200" dirty="0"/>
-              <a:t>Problem: each type of microplastic is represented by only one spectrum in the DB or has many samples but they differ a lot. Without better data for now the NN can only aim to match to a spectrum and not to the type of microplastic. </a:t>
-            </a:r>
-          </a:p>
-          <a:p>
-            <a:pPr lvl="1"/>
-            <a:r>
-              <a:rPr lang="en-US" sz="1200" dirty="0"/>
-              <a:t>-&gt;make more data with our spectrometer ?</a:t>
-            </a:r>
-            <a:endParaRPr lang="en-US" dirty="0"/>
-          </a:p>
-          <a:p>
-            <a:r>
-              <a:rPr lang="en-US" dirty="0"/>
-              <a:t>-     Give percentages of similarity for many samples.</a:t>
-            </a:r>
-          </a:p>
-          <a:p>
-            <a:endParaRPr lang="en-US" dirty="0"/>
-          </a:p>
-          <a:p>
-            <a:r>
-              <a:rPr lang="en-US" dirty="0"/>
-              <a:t>Inputs of the NN :</a:t>
-            </a:r>
-          </a:p>
-          <a:p>
-            <a:pPr marL="285750" indent="-285750">
-              <a:buFontTx/>
-              <a:buChar char="-"/>
-            </a:pPr>
-            <a:r>
-              <a:rPr lang="en-US" dirty="0"/>
-              <a:t>Samples </a:t>
-            </a:r>
-            <a:r>
-              <a:rPr lang="en-US" sz="1400" dirty="0"/>
-              <a:t>(ideally many samples for each plastic, in different conditions, different ages (only have this in one database))</a:t>
-            </a:r>
-          </a:p>
-          <a:p>
-            <a:pPr marL="285750" indent="-285750">
-              <a:buFontTx/>
-              <a:buChar char="-"/>
-            </a:pPr>
-            <a:endParaRPr lang="en-US" dirty="0"/>
-          </a:p>
-        </p:txBody>
-      </p:sp>
-      <p:cxnSp>
-        <p:nvCxnSpPr>
-          <p:cNvPr id="24" name="Straight Arrow Connector 23">
-            <a:extLst>
-              <a:ext uri="{FF2B5EF4-FFF2-40B4-BE49-F238E27FC236}">
-                <a16:creationId xmlns:a16="http://schemas.microsoft.com/office/drawing/2014/main" id="{99F90642-A930-A80C-FB89-7B03B1151150}"/>
-              </a:ext>
-            </a:extLst>
-          </p:cNvPr>
-          <p:cNvCxnSpPr>
-            <a:cxnSpLocks/>
-          </p:cNvCxnSpPr>
-          <p:nvPr/>
-        </p:nvCxnSpPr>
-        <p:spPr>
-          <a:xfrm flipV="1">
-            <a:off x="3799002" y="772998"/>
-            <a:ext cx="197963" cy="377072"/>
-          </a:xfrm>
-          <a:prstGeom prst="straightConnector1">
-            <a:avLst/>
-          </a:prstGeom>
-          <a:ln>
-            <a:solidFill>
-              <a:schemeClr val="accent6"/>
-            </a:solidFill>
-            <a:tailEnd type="triangle"/>
-          </a:ln>
-        </p:spPr>
-        <p:style>
-          <a:lnRef idx="2">
-            <a:schemeClr val="accent1"/>
-          </a:lnRef>
-          <a:fillRef idx="0">
-            <a:schemeClr val="accent1"/>
-          </a:fillRef>
-          <a:effectRef idx="1">
-            <a:schemeClr val="accent1"/>
-          </a:effectRef>
-          <a:fontRef idx="minor">
-            <a:schemeClr val="tx1"/>
-          </a:fontRef>
-        </p:style>
-      </p:cxnSp>
-      <p:sp>
-        <p:nvSpPr>
-          <p:cNvPr id="26" name="TextBox 25">
-            <a:extLst>
-              <a:ext uri="{FF2B5EF4-FFF2-40B4-BE49-F238E27FC236}">
-                <a16:creationId xmlns:a16="http://schemas.microsoft.com/office/drawing/2014/main" id="{BF2C5C1B-3612-5D59-96D5-92E0ED186CDF}"/>
-              </a:ext>
-            </a:extLst>
-          </p:cNvPr>
-          <p:cNvSpPr txBox="1"/>
-          <p:nvPr/>
-        </p:nvSpPr>
-        <p:spPr>
-          <a:xfrm>
-            <a:off x="3421930" y="465221"/>
-            <a:ext cx="2831836" cy="307777"/>
-          </a:xfrm>
-          <a:prstGeom prst="rect">
-            <a:avLst/>
-          </a:prstGeom>
-          <a:noFill/>
-        </p:spPr>
-        <p:txBody>
-          <a:bodyPr wrap="square" rtlCol="0">
-            <a:spAutoFit/>
-          </a:bodyPr>
-          <a:lstStyle/>
-          <a:p>
-            <a:r>
-              <a:rPr lang="en-US" sz="1400" dirty="0"/>
-              <a:t>Can be computed in 4 algorithms</a:t>
-            </a:r>
-            <a:endParaRPr lang="en-CH" sz="1400" dirty="0"/>
-          </a:p>
-        </p:txBody>
-      </p:sp>
-      <p:pic>
-        <p:nvPicPr>
-          <p:cNvPr id="28" name="Picture 27">
-            <a:extLst>
-              <a:ext uri="{FF2B5EF4-FFF2-40B4-BE49-F238E27FC236}">
-                <a16:creationId xmlns:a16="http://schemas.microsoft.com/office/drawing/2014/main" id="{482B0694-479F-86C1-3AB2-6057A08B9C0B}"/>
-              </a:ext>
-            </a:extLst>
-          </p:cNvPr>
-          <p:cNvPicPr>
-            <a:picLocks noChangeAspect="1"/>
-          </p:cNvPicPr>
-          <p:nvPr/>
-        </p:nvPicPr>
-        <p:blipFill>
-          <a:blip r:embed="rId3"/>
-          <a:stretch>
-            <a:fillRect/>
-          </a:stretch>
-        </p:blipFill>
-        <p:spPr>
-          <a:xfrm>
-            <a:off x="8228010" y="4958499"/>
-            <a:ext cx="3892200" cy="1811422"/>
-          </a:xfrm>
-          <a:prstGeom prst="rect">
-            <a:avLst/>
-          </a:prstGeom>
-        </p:spPr>
-      </p:pic>
-      <p:cxnSp>
-        <p:nvCxnSpPr>
-          <p:cNvPr id="29" name="Straight Arrow Connector 28">
-            <a:extLst>
-              <a:ext uri="{FF2B5EF4-FFF2-40B4-BE49-F238E27FC236}">
-                <a16:creationId xmlns:a16="http://schemas.microsoft.com/office/drawing/2014/main" id="{85B1C022-777E-4468-3BCA-8163F9CF9ED7}"/>
-              </a:ext>
-            </a:extLst>
-          </p:cNvPr>
-          <p:cNvCxnSpPr>
-            <a:cxnSpLocks/>
-          </p:cNvCxnSpPr>
-          <p:nvPr/>
-        </p:nvCxnSpPr>
-        <p:spPr>
-          <a:xfrm>
-            <a:off x="7562695" y="6221691"/>
-            <a:ext cx="665315" cy="0"/>
-          </a:xfrm>
-          <a:prstGeom prst="straightConnector1">
-            <a:avLst/>
-          </a:prstGeom>
-          <a:ln>
-            <a:solidFill>
-              <a:schemeClr val="accent6"/>
-            </a:solidFill>
-            <a:tailEnd type="triangle"/>
-          </a:ln>
-        </p:spPr>
-        <p:style>
-          <a:lnRef idx="2">
-            <a:schemeClr val="accent1"/>
-          </a:lnRef>
-          <a:fillRef idx="0">
-            <a:schemeClr val="accent1"/>
-          </a:fillRef>
-          <a:effectRef idx="1">
-            <a:schemeClr val="accent1"/>
-          </a:effectRef>
-          <a:fontRef idx="minor">
-            <a:schemeClr val="tx1"/>
-          </a:fontRef>
-        </p:style>
-      </p:cxnSp>
-      <p:sp>
-        <p:nvSpPr>
-          <p:cNvPr id="32" name="TextBox 31">
-            <a:extLst>
-              <a:ext uri="{FF2B5EF4-FFF2-40B4-BE49-F238E27FC236}">
-                <a16:creationId xmlns:a16="http://schemas.microsoft.com/office/drawing/2014/main" id="{1B5DC805-125D-F8AB-9734-FCC518BA0285}"/>
-              </a:ext>
-            </a:extLst>
-          </p:cNvPr>
-          <p:cNvSpPr txBox="1"/>
-          <p:nvPr/>
-        </p:nvSpPr>
-        <p:spPr>
-          <a:xfrm>
-            <a:off x="5825250" y="5860494"/>
-            <a:ext cx="2070102" cy="646331"/>
-          </a:xfrm>
-          <a:prstGeom prst="rect">
-            <a:avLst/>
-          </a:prstGeom>
-          <a:noFill/>
-        </p:spPr>
-        <p:txBody>
-          <a:bodyPr wrap="square" rtlCol="0">
-            <a:spAutoFit/>
-          </a:bodyPr>
-          <a:lstStyle/>
-          <a:p>
-            <a:r>
-              <a:rPr lang="en-US" sz="1200" dirty="0"/>
-              <a:t>Wil add a dropdown menu here to choose between peak matching or NN</a:t>
-            </a:r>
-            <a:endParaRPr lang="en-CH" sz="1200" dirty="0"/>
-          </a:p>
-        </p:txBody>
-      </p:sp>
-    </p:spTree>
-    <p:extLst>
-      <p:ext uri="{BB962C8B-B14F-4D97-AF65-F5344CB8AC3E}">
-        <p14:creationId xmlns:p14="http://schemas.microsoft.com/office/powerpoint/2010/main" val="987289868"/>
-      </p:ext>
-    </p:extLst>
-  </p:cSld>
-  <p:clrMapOvr>
-    <a:masterClrMapping/>
-  </p:clrMapOvr>
-</p:sld>
-</file>
-
-<file path=ppt/slides/slide10.xml><?xml version="1.0" encoding="utf-8"?>
-<p:sld xmlns:a="http://schemas.openxmlformats.org/drawingml/2006/main" xmlns:r="http://schemas.openxmlformats.org/officeDocument/2006/relationships" xmlns:p="http://schemas.openxmlformats.org/presentationml/2006/main">
-  <p:cSld>
-    <p:spTree>
-      <p:nvGrpSpPr>
-        <p:cNvPr id="1" name=""/>
-        <p:cNvGrpSpPr/>
-        <p:nvPr/>
-      </p:nvGrpSpPr>
-      <p:grpSpPr>
-        <a:xfrm>
-          <a:off x="0" y="0"/>
-          <a:ext cx="0" cy="0"/>
-          <a:chOff x="0" y="0"/>
-          <a:chExt cx="0" cy="0"/>
-        </a:xfrm>
-      </p:grpSpPr>
-      <p:sp>
-        <p:nvSpPr>
-          <p:cNvPr id="2" name="Title 1">
-            <a:extLst>
-              <a:ext uri="{FF2B5EF4-FFF2-40B4-BE49-F238E27FC236}">
-                <a16:creationId xmlns:a16="http://schemas.microsoft.com/office/drawing/2014/main" id="{0B5AA34E-29A0-1A13-8F7C-9B838D155B70}"/>
-              </a:ext>
-            </a:extLst>
-          </p:cNvPr>
-          <p:cNvSpPr>
-            <a:spLocks noGrp="1"/>
-          </p:cNvSpPr>
-          <p:nvPr>
-            <p:ph type="title"/>
-          </p:nvPr>
-        </p:nvSpPr>
-        <p:spPr/>
-        <p:txBody>
-          <a:bodyPr/>
-          <a:lstStyle/>
-          <a:p>
-            <a:endParaRPr lang="en-CH"/>
-          </a:p>
-        </p:txBody>
-      </p:sp>
-      <p:sp>
-        <p:nvSpPr>
-          <p:cNvPr id="3" name="Content Placeholder 2">
-            <a:extLst>
-              <a:ext uri="{FF2B5EF4-FFF2-40B4-BE49-F238E27FC236}">
-                <a16:creationId xmlns:a16="http://schemas.microsoft.com/office/drawing/2014/main" id="{5F9B058D-C276-DB0B-750F-34CDF4231ED3}"/>
-              </a:ext>
-            </a:extLst>
-          </p:cNvPr>
-          <p:cNvSpPr>
-            <a:spLocks noGrp="1"/>
-          </p:cNvSpPr>
-          <p:nvPr>
-            <p:ph idx="1"/>
-          </p:nvPr>
-        </p:nvSpPr>
-        <p:spPr/>
-        <p:txBody>
-          <a:bodyPr/>
-          <a:lstStyle/>
-          <a:p>
-            <a:endParaRPr lang="en-CH"/>
-          </a:p>
-        </p:txBody>
-      </p:sp>
-    </p:spTree>
-    <p:extLst>
-      <p:ext uri="{BB962C8B-B14F-4D97-AF65-F5344CB8AC3E}">
-        <p14:creationId xmlns:p14="http://schemas.microsoft.com/office/powerpoint/2010/main" val="4159033986"/>
-      </p:ext>
-    </p:extLst>
-  </p:cSld>
-  <p:clrMapOvr>
-    <a:masterClrMapping/>
-  </p:clrMapOvr>
-</p:sld>
-</file>
-
-<file path=ppt/slides/slide11.xml><?xml version="1.0" encoding="utf-8"?>
-<p:sld xmlns:a="http://schemas.openxmlformats.org/drawingml/2006/main" xmlns:r="http://schemas.openxmlformats.org/officeDocument/2006/relationships" xmlns:p="http://schemas.openxmlformats.org/presentationml/2006/main">
-  <p:cSld>
     <p:bg>
       <p:bgPr>
         <a:solidFill>
@@ -4507,7 +3836,7 @@
 </p:sld>
 </file>
 
-<file path=ppt/slides/slide12.xml><?xml version="1.0" encoding="utf-8"?>
+<file path=ppt/slides/slide2.xml><?xml version="1.0" encoding="utf-8"?>
 <p:sld xmlns:a="http://schemas.openxmlformats.org/drawingml/2006/main" xmlns:r="http://schemas.openxmlformats.org/officeDocument/2006/relationships" xmlns:p="http://schemas.openxmlformats.org/presentationml/2006/main">
   <p:cSld>
     <p:spTree>
@@ -4606,1475 +3935,6 @@
     <p:extLst>
       <p:ext uri="{BB962C8B-B14F-4D97-AF65-F5344CB8AC3E}">
         <p14:creationId xmlns:p14="http://schemas.microsoft.com/office/powerpoint/2010/main" val="2190913361"/>
-      </p:ext>
-    </p:extLst>
-  </p:cSld>
-  <p:clrMapOvr>
-    <a:masterClrMapping/>
-  </p:clrMapOvr>
-</p:sld>
-</file>
-
-<file path=ppt/slides/slide2.xml><?xml version="1.0" encoding="utf-8"?>
-<p:sld xmlns:a="http://schemas.openxmlformats.org/drawingml/2006/main" xmlns:r="http://schemas.openxmlformats.org/officeDocument/2006/relationships" xmlns:p="http://schemas.openxmlformats.org/presentationml/2006/main">
-  <p:cSld>
-    <p:spTree>
-      <p:nvGrpSpPr>
-        <p:cNvPr id="1" name=""/>
-        <p:cNvGrpSpPr/>
-        <p:nvPr/>
-      </p:nvGrpSpPr>
-      <p:grpSpPr>
-        <a:xfrm>
-          <a:off x="0" y="0"/>
-          <a:ext cx="0" cy="0"/>
-          <a:chOff x="0" y="0"/>
-          <a:chExt cx="0" cy="0"/>
-        </a:xfrm>
-      </p:grpSpPr>
-      <p:sp>
-        <p:nvSpPr>
-          <p:cNvPr id="2" name="Title 1">
-            <a:extLst>
-              <a:ext uri="{FF2B5EF4-FFF2-40B4-BE49-F238E27FC236}">
-                <a16:creationId xmlns:a16="http://schemas.microsoft.com/office/drawing/2014/main" id="{2EB2F19F-42E1-E172-6863-E2FA4D1FD1A0}"/>
-              </a:ext>
-            </a:extLst>
-          </p:cNvPr>
-          <p:cNvSpPr>
-            <a:spLocks noGrp="1"/>
-          </p:cNvSpPr>
-          <p:nvPr>
-            <p:ph type="title"/>
-          </p:nvPr>
-        </p:nvSpPr>
-        <p:spPr>
-          <a:xfrm>
-            <a:off x="0" y="-48642"/>
-            <a:ext cx="6260184" cy="1029030"/>
-          </a:xfrm>
-        </p:spPr>
-        <p:txBody>
-          <a:bodyPr>
-            <a:normAutofit/>
-          </a:bodyPr>
-          <a:lstStyle/>
-          <a:p>
-            <a:r>
-              <a:rPr lang="en-US" sz="3200" dirty="0"/>
-              <a:t>Structure of NN</a:t>
-            </a:r>
-            <a:endParaRPr lang="en-CH" sz="3200" dirty="0"/>
-          </a:p>
-        </p:txBody>
-      </p:sp>
-      <p:sp>
-        <p:nvSpPr>
-          <p:cNvPr id="3" name="Content Placeholder 2">
-            <a:extLst>
-              <a:ext uri="{FF2B5EF4-FFF2-40B4-BE49-F238E27FC236}">
-                <a16:creationId xmlns:a16="http://schemas.microsoft.com/office/drawing/2014/main" id="{84A617DD-62F8-33A5-B283-65431ADA5BEF}"/>
-              </a:ext>
-            </a:extLst>
-          </p:cNvPr>
-          <p:cNvSpPr>
-            <a:spLocks noGrp="1"/>
-          </p:cNvSpPr>
-          <p:nvPr>
-            <p:ph idx="1"/>
-          </p:nvPr>
-        </p:nvSpPr>
-        <p:spPr>
-          <a:xfrm>
-            <a:off x="91406" y="1415394"/>
-            <a:ext cx="6505280" cy="4351338"/>
-          </a:xfrm>
-        </p:spPr>
-        <p:txBody>
-          <a:bodyPr>
-            <a:normAutofit/>
-          </a:bodyPr>
-          <a:lstStyle/>
-          <a:p>
-            <a:r>
-              <a:rPr lang="en-US" sz="1600" dirty="0"/>
-              <a:t>Datapoints are not aligned (not the same values of wavenumber are measured each time) </a:t>
-            </a:r>
-            <a:r>
-              <a:rPr lang="en-US" sz="1400" dirty="0"/>
-              <a:t>-&gt;work on “joining the points with a line and then taking the value of that line for fixed points”</a:t>
-            </a:r>
-          </a:p>
-          <a:p>
-            <a:endParaRPr lang="en-US" sz="1400" dirty="0"/>
-          </a:p>
-          <a:p>
-            <a:r>
-              <a:rPr lang="en-US" sz="1400" dirty="0"/>
-              <a:t>Convolutional first layer is necessary to capture (local steep up (or down), local peak at X intensity value, local noise at points of no interest)</a:t>
-            </a:r>
-          </a:p>
-          <a:p>
-            <a:endParaRPr lang="en-US" sz="1400" dirty="0"/>
-          </a:p>
-          <a:p>
-            <a:r>
-              <a:rPr lang="en-US" sz="1400" dirty="0"/>
-              <a:t>Macro feature layers will be able to activate one or more nodes of the output layer so samples containing multiple plastics will be detected.</a:t>
-            </a:r>
-          </a:p>
-          <a:p>
-            <a:pPr marL="0" indent="0">
-              <a:buNone/>
-            </a:pPr>
-            <a:endParaRPr lang="en-US" sz="1200" dirty="0"/>
-          </a:p>
-          <a:p>
-            <a:pPr marL="0" indent="0">
-              <a:buNone/>
-            </a:pPr>
-            <a:endParaRPr lang="en-US" sz="1200" dirty="0"/>
-          </a:p>
-          <a:p>
-            <a:pPr marL="0" indent="0">
-              <a:buNone/>
-            </a:pPr>
-            <a:r>
-              <a:rPr lang="en-US" sz="1200" dirty="0"/>
-              <a:t>-&gt; I will understand what macro features layers identify only during the training process</a:t>
-            </a:r>
-            <a:endParaRPr lang="en-US" sz="1100" dirty="0"/>
-          </a:p>
-          <a:p>
-            <a:endParaRPr lang="en-US" sz="1100" dirty="0"/>
-          </a:p>
-          <a:p>
-            <a:pPr marL="0" indent="0">
-              <a:buNone/>
-            </a:pPr>
-            <a:r>
-              <a:rPr lang="en-US" sz="1100" dirty="0"/>
-              <a:t>-&gt; I will be trying any combination of layers, regressors, validations, etc. </a:t>
-            </a:r>
-            <a:endParaRPr lang="en-CH" sz="1200" dirty="0"/>
-          </a:p>
-        </p:txBody>
-      </p:sp>
-      <p:pic>
-        <p:nvPicPr>
-          <p:cNvPr id="5" name="Picture 4">
-            <a:extLst>
-              <a:ext uri="{FF2B5EF4-FFF2-40B4-BE49-F238E27FC236}">
-                <a16:creationId xmlns:a16="http://schemas.microsoft.com/office/drawing/2014/main" id="{D6262436-9280-E02E-9A41-30925C324024}"/>
-              </a:ext>
-            </a:extLst>
-          </p:cNvPr>
-          <p:cNvPicPr>
-            <a:picLocks noChangeAspect="1"/>
-          </p:cNvPicPr>
-          <p:nvPr/>
-        </p:nvPicPr>
-        <p:blipFill>
-          <a:blip r:embed="rId2"/>
-          <a:stretch>
-            <a:fillRect/>
-          </a:stretch>
-        </p:blipFill>
-        <p:spPr>
-          <a:xfrm>
-            <a:off x="8129134" y="2082406"/>
-            <a:ext cx="3663798" cy="4670487"/>
-          </a:xfrm>
-          <a:prstGeom prst="rect">
-            <a:avLst/>
-          </a:prstGeom>
-        </p:spPr>
-      </p:pic>
-      <p:cxnSp>
-        <p:nvCxnSpPr>
-          <p:cNvPr id="7" name="Straight Arrow Connector 6">
-            <a:extLst>
-              <a:ext uri="{FF2B5EF4-FFF2-40B4-BE49-F238E27FC236}">
-                <a16:creationId xmlns:a16="http://schemas.microsoft.com/office/drawing/2014/main" id="{B4F4C7F9-687D-51E1-EBDC-4ECC717DB521}"/>
-              </a:ext>
-            </a:extLst>
-          </p:cNvPr>
-          <p:cNvCxnSpPr>
-            <a:cxnSpLocks/>
-          </p:cNvCxnSpPr>
-          <p:nvPr/>
-        </p:nvCxnSpPr>
-        <p:spPr>
-          <a:xfrm>
-            <a:off x="8550111" y="1437646"/>
-            <a:ext cx="197963" cy="523129"/>
-          </a:xfrm>
-          <a:prstGeom prst="straightConnector1">
-            <a:avLst/>
-          </a:prstGeom>
-          <a:ln>
-            <a:tailEnd type="triangle"/>
-          </a:ln>
-        </p:spPr>
-        <p:style>
-          <a:lnRef idx="2">
-            <a:schemeClr val="accent1"/>
-          </a:lnRef>
-          <a:fillRef idx="0">
-            <a:schemeClr val="accent1"/>
-          </a:fillRef>
-          <a:effectRef idx="1">
-            <a:schemeClr val="accent1"/>
-          </a:effectRef>
-          <a:fontRef idx="minor">
-            <a:schemeClr val="tx1"/>
-          </a:fontRef>
-        </p:style>
-      </p:cxnSp>
-      <p:sp>
-        <p:nvSpPr>
-          <p:cNvPr id="9" name="TextBox 8">
-            <a:extLst>
-              <a:ext uri="{FF2B5EF4-FFF2-40B4-BE49-F238E27FC236}">
-                <a16:creationId xmlns:a16="http://schemas.microsoft.com/office/drawing/2014/main" id="{BB1834C3-FAA5-BCF7-237B-7A323A6A260F}"/>
-              </a:ext>
-            </a:extLst>
-          </p:cNvPr>
-          <p:cNvSpPr txBox="1"/>
-          <p:nvPr/>
-        </p:nvSpPr>
-        <p:spPr>
-          <a:xfrm>
-            <a:off x="7854247" y="870935"/>
-            <a:ext cx="1391728" cy="523220"/>
-          </a:xfrm>
-          <a:prstGeom prst="rect">
-            <a:avLst/>
-          </a:prstGeom>
-          <a:noFill/>
-        </p:spPr>
-        <p:txBody>
-          <a:bodyPr wrap="none" rtlCol="0">
-            <a:spAutoFit/>
-          </a:bodyPr>
-          <a:lstStyle/>
-          <a:p>
-            <a:pPr algn="ctr"/>
-            <a:r>
-              <a:rPr lang="en-US" sz="1400" dirty="0"/>
-              <a:t>Datapoints</a:t>
-            </a:r>
-          </a:p>
-          <a:p>
-            <a:pPr algn="ctr"/>
-            <a:r>
-              <a:rPr lang="en-US" sz="1100" dirty="0"/>
-              <a:t>(~3000 per sample)</a:t>
-            </a:r>
-            <a:r>
-              <a:rPr lang="en-US" sz="1400" dirty="0"/>
-              <a:t> </a:t>
-            </a:r>
-            <a:endParaRPr lang="en-CH" sz="1400" dirty="0"/>
-          </a:p>
-        </p:txBody>
-      </p:sp>
-      <p:sp>
-        <p:nvSpPr>
-          <p:cNvPr id="12" name="TextBox 11">
-            <a:extLst>
-              <a:ext uri="{FF2B5EF4-FFF2-40B4-BE49-F238E27FC236}">
-                <a16:creationId xmlns:a16="http://schemas.microsoft.com/office/drawing/2014/main" id="{19A84ADA-11D1-7F41-EC9F-59FCB40A73E4}"/>
-              </a:ext>
-            </a:extLst>
-          </p:cNvPr>
-          <p:cNvSpPr txBox="1"/>
-          <p:nvPr/>
-        </p:nvSpPr>
-        <p:spPr>
-          <a:xfrm>
-            <a:off x="8710925" y="1478054"/>
-            <a:ext cx="1591559" cy="438582"/>
-          </a:xfrm>
-          <a:prstGeom prst="rect">
-            <a:avLst/>
-          </a:prstGeom>
-          <a:noFill/>
-        </p:spPr>
-        <p:txBody>
-          <a:bodyPr wrap="square" rtlCol="0">
-            <a:spAutoFit/>
-          </a:bodyPr>
-          <a:lstStyle/>
-          <a:p>
-            <a:pPr algn="ctr"/>
-            <a:r>
-              <a:rPr lang="en-US" sz="1200" dirty="0"/>
-              <a:t>Vicinity features layer </a:t>
-            </a:r>
-            <a:r>
-              <a:rPr lang="en-US" sz="1050" dirty="0"/>
-              <a:t>(convolutional) </a:t>
-            </a:r>
-            <a:endParaRPr lang="en-CH" sz="1200" dirty="0"/>
-          </a:p>
-        </p:txBody>
-      </p:sp>
-      <p:cxnSp>
-        <p:nvCxnSpPr>
-          <p:cNvPr id="13" name="Straight Arrow Connector 12">
-            <a:extLst>
-              <a:ext uri="{FF2B5EF4-FFF2-40B4-BE49-F238E27FC236}">
-                <a16:creationId xmlns:a16="http://schemas.microsoft.com/office/drawing/2014/main" id="{17956BAC-4728-99FA-FF95-108F1640EFA0}"/>
-              </a:ext>
-            </a:extLst>
-          </p:cNvPr>
-          <p:cNvCxnSpPr>
-            <a:cxnSpLocks/>
-          </p:cNvCxnSpPr>
-          <p:nvPr/>
-        </p:nvCxnSpPr>
-        <p:spPr>
-          <a:xfrm>
-            <a:off x="9506705" y="1960775"/>
-            <a:ext cx="0" cy="780315"/>
-          </a:xfrm>
-          <a:prstGeom prst="straightConnector1">
-            <a:avLst/>
-          </a:prstGeom>
-          <a:ln>
-            <a:tailEnd type="triangle"/>
-          </a:ln>
-        </p:spPr>
-        <p:style>
-          <a:lnRef idx="2">
-            <a:schemeClr val="accent1"/>
-          </a:lnRef>
-          <a:fillRef idx="0">
-            <a:schemeClr val="accent1"/>
-          </a:fillRef>
-          <a:effectRef idx="1">
-            <a:schemeClr val="accent1"/>
-          </a:effectRef>
-          <a:fontRef idx="minor">
-            <a:schemeClr val="tx1"/>
-          </a:fontRef>
-        </p:style>
-      </p:cxnSp>
-      <p:sp>
-        <p:nvSpPr>
-          <p:cNvPr id="15" name="TextBox 14">
-            <a:extLst>
-              <a:ext uri="{FF2B5EF4-FFF2-40B4-BE49-F238E27FC236}">
-                <a16:creationId xmlns:a16="http://schemas.microsoft.com/office/drawing/2014/main" id="{A34C3F70-DFE9-73E1-BC49-B082D061558D}"/>
-              </a:ext>
-            </a:extLst>
-          </p:cNvPr>
-          <p:cNvSpPr txBox="1"/>
-          <p:nvPr/>
-        </p:nvSpPr>
-        <p:spPr>
-          <a:xfrm>
-            <a:off x="9666611" y="1977451"/>
-            <a:ext cx="1197452" cy="830997"/>
-          </a:xfrm>
-          <a:prstGeom prst="rect">
-            <a:avLst/>
-          </a:prstGeom>
-          <a:noFill/>
-        </p:spPr>
-        <p:txBody>
-          <a:bodyPr wrap="square" rtlCol="0">
-            <a:spAutoFit/>
-          </a:bodyPr>
-          <a:lstStyle/>
-          <a:p>
-            <a:pPr algn="ctr"/>
-            <a:r>
-              <a:rPr lang="en-US" sz="1200" dirty="0"/>
-              <a:t>Other macro features layers (as many as necessary)</a:t>
-            </a:r>
-            <a:endParaRPr lang="en-CH" sz="1200" dirty="0"/>
-          </a:p>
-        </p:txBody>
-      </p:sp>
-      <p:cxnSp>
-        <p:nvCxnSpPr>
-          <p:cNvPr id="16" name="Straight Arrow Connector 15">
-            <a:extLst>
-              <a:ext uri="{FF2B5EF4-FFF2-40B4-BE49-F238E27FC236}">
-                <a16:creationId xmlns:a16="http://schemas.microsoft.com/office/drawing/2014/main" id="{E33E788A-ACF4-500F-A98D-DAAE79FC318F}"/>
-              </a:ext>
-            </a:extLst>
-          </p:cNvPr>
-          <p:cNvCxnSpPr>
-            <a:cxnSpLocks/>
-          </p:cNvCxnSpPr>
-          <p:nvPr/>
-        </p:nvCxnSpPr>
-        <p:spPr>
-          <a:xfrm>
-            <a:off x="10265337" y="2808448"/>
-            <a:ext cx="0" cy="780315"/>
-          </a:xfrm>
-          <a:prstGeom prst="straightConnector1">
-            <a:avLst/>
-          </a:prstGeom>
-          <a:ln>
-            <a:tailEnd type="triangle"/>
-          </a:ln>
-        </p:spPr>
-        <p:style>
-          <a:lnRef idx="2">
-            <a:schemeClr val="accent1"/>
-          </a:lnRef>
-          <a:fillRef idx="0">
-            <a:schemeClr val="accent1"/>
-          </a:fillRef>
-          <a:effectRef idx="1">
-            <a:schemeClr val="accent1"/>
-          </a:effectRef>
-          <a:fontRef idx="minor">
-            <a:schemeClr val="tx1"/>
-          </a:fontRef>
-        </p:style>
-      </p:cxnSp>
-      <p:cxnSp>
-        <p:nvCxnSpPr>
-          <p:cNvPr id="17" name="Straight Arrow Connector 16">
-            <a:extLst>
-              <a:ext uri="{FF2B5EF4-FFF2-40B4-BE49-F238E27FC236}">
-                <a16:creationId xmlns:a16="http://schemas.microsoft.com/office/drawing/2014/main" id="{928FA4D6-F2FB-D8F2-EB92-E698155F7B56}"/>
-              </a:ext>
-            </a:extLst>
-          </p:cNvPr>
-          <p:cNvCxnSpPr>
-            <a:cxnSpLocks/>
-          </p:cNvCxnSpPr>
-          <p:nvPr/>
-        </p:nvCxnSpPr>
-        <p:spPr>
-          <a:xfrm flipH="1">
-            <a:off x="10950577" y="2234153"/>
-            <a:ext cx="371015" cy="734751"/>
-          </a:xfrm>
-          <a:prstGeom prst="straightConnector1">
-            <a:avLst/>
-          </a:prstGeom>
-          <a:ln>
-            <a:tailEnd type="triangle"/>
-          </a:ln>
-        </p:spPr>
-        <p:style>
-          <a:lnRef idx="2">
-            <a:schemeClr val="accent1"/>
-          </a:lnRef>
-          <a:fillRef idx="0">
-            <a:schemeClr val="accent1"/>
-          </a:fillRef>
-          <a:effectRef idx="1">
-            <a:schemeClr val="accent1"/>
-          </a:effectRef>
-          <a:fontRef idx="minor">
-            <a:schemeClr val="tx1"/>
-          </a:fontRef>
-        </p:style>
-      </p:cxnSp>
-      <p:sp>
-        <p:nvSpPr>
-          <p:cNvPr id="20" name="TextBox 19">
-            <a:extLst>
-              <a:ext uri="{FF2B5EF4-FFF2-40B4-BE49-F238E27FC236}">
-                <a16:creationId xmlns:a16="http://schemas.microsoft.com/office/drawing/2014/main" id="{FFE81F37-7D48-79D4-2498-72C9A3686BF0}"/>
-              </a:ext>
-            </a:extLst>
-          </p:cNvPr>
-          <p:cNvSpPr txBox="1"/>
-          <p:nvPr/>
-        </p:nvSpPr>
-        <p:spPr>
-          <a:xfrm>
-            <a:off x="10755073" y="1207394"/>
-            <a:ext cx="1235815" cy="830997"/>
-          </a:xfrm>
-          <a:prstGeom prst="rect">
-            <a:avLst/>
-          </a:prstGeom>
-          <a:noFill/>
-        </p:spPr>
-        <p:txBody>
-          <a:bodyPr wrap="square" rtlCol="0">
-            <a:spAutoFit/>
-          </a:bodyPr>
-          <a:lstStyle/>
-          <a:p>
-            <a:pPr algn="ctr"/>
-            <a:r>
-              <a:rPr lang="en-US" sz="1200" dirty="0"/>
-              <a:t>Output, microplastics or singular train spectra</a:t>
-            </a:r>
-            <a:endParaRPr lang="en-CH" sz="1200" dirty="0"/>
-          </a:p>
-        </p:txBody>
-      </p:sp>
-    </p:spTree>
-    <p:extLst>
-      <p:ext uri="{BB962C8B-B14F-4D97-AF65-F5344CB8AC3E}">
-        <p14:creationId xmlns:p14="http://schemas.microsoft.com/office/powerpoint/2010/main" val="4183032883"/>
-      </p:ext>
-    </p:extLst>
-  </p:cSld>
-  <p:clrMapOvr>
-    <a:masterClrMapping/>
-  </p:clrMapOvr>
-</p:sld>
-</file>
-
-<file path=ppt/slides/slide3.xml><?xml version="1.0" encoding="utf-8"?>
-<p:sld xmlns:a="http://schemas.openxmlformats.org/drawingml/2006/main" xmlns:r="http://schemas.openxmlformats.org/officeDocument/2006/relationships" xmlns:p="http://schemas.openxmlformats.org/presentationml/2006/main">
-  <p:cSld>
-    <p:spTree>
-      <p:nvGrpSpPr>
-        <p:cNvPr id="1" name=""/>
-        <p:cNvGrpSpPr/>
-        <p:nvPr/>
-      </p:nvGrpSpPr>
-      <p:grpSpPr>
-        <a:xfrm>
-          <a:off x="0" y="0"/>
-          <a:ext cx="0" cy="0"/>
-          <a:chOff x="0" y="0"/>
-          <a:chExt cx="0" cy="0"/>
-        </a:xfrm>
-      </p:grpSpPr>
-      <p:sp>
-        <p:nvSpPr>
-          <p:cNvPr id="2" name="Title 1">
-            <a:extLst>
-              <a:ext uri="{FF2B5EF4-FFF2-40B4-BE49-F238E27FC236}">
-                <a16:creationId xmlns:a16="http://schemas.microsoft.com/office/drawing/2014/main" id="{ACB6D437-4EE7-BBBA-D74C-BDD5B79C04C5}"/>
-              </a:ext>
-            </a:extLst>
-          </p:cNvPr>
-          <p:cNvSpPr>
-            <a:spLocks noGrp="1"/>
-          </p:cNvSpPr>
-          <p:nvPr>
-            <p:ph type="title"/>
-          </p:nvPr>
-        </p:nvSpPr>
-        <p:spPr>
-          <a:xfrm>
-            <a:off x="0" y="-291367"/>
-            <a:ext cx="10515600" cy="1325563"/>
-          </a:xfrm>
-        </p:spPr>
-        <p:txBody>
-          <a:bodyPr>
-            <a:normAutofit/>
-          </a:bodyPr>
-          <a:lstStyle/>
-          <a:p>
-            <a:r>
-              <a:rPr lang="en-US" sz="3600" dirty="0" err="1"/>
-              <a:t>Pytorch</a:t>
-            </a:r>
-            <a:endParaRPr lang="en-CH" sz="3600" dirty="0"/>
-          </a:p>
-        </p:txBody>
-      </p:sp>
-      <p:sp>
-        <p:nvSpPr>
-          <p:cNvPr id="3" name="Content Placeholder 2">
-            <a:extLst>
-              <a:ext uri="{FF2B5EF4-FFF2-40B4-BE49-F238E27FC236}">
-                <a16:creationId xmlns:a16="http://schemas.microsoft.com/office/drawing/2014/main" id="{C6316E40-4547-D9AB-25F3-79DB5647C4BC}"/>
-              </a:ext>
-            </a:extLst>
-          </p:cNvPr>
-          <p:cNvSpPr>
-            <a:spLocks noGrp="1"/>
-          </p:cNvSpPr>
-          <p:nvPr>
-            <p:ph idx="1"/>
-          </p:nvPr>
-        </p:nvSpPr>
-        <p:spPr>
-          <a:xfrm>
-            <a:off x="7116117" y="340518"/>
-            <a:ext cx="4609158" cy="6176963"/>
-          </a:xfrm>
-        </p:spPr>
-        <p:txBody>
-          <a:bodyPr>
-            <a:normAutofit/>
-          </a:bodyPr>
-          <a:lstStyle/>
-          <a:p>
-            <a:pPr marL="0" indent="0">
-              <a:buNone/>
-            </a:pPr>
-            <a:r>
-              <a:rPr lang="fr-CH" sz="1600" dirty="0"/>
-              <a:t>-&gt; </a:t>
-            </a:r>
-            <a:r>
-              <a:rPr lang="fr-CH" sz="1600" dirty="0" err="1"/>
-              <a:t>I’m</a:t>
-            </a:r>
-            <a:r>
-              <a:rPr lang="fr-CH" sz="1600" dirty="0"/>
-              <a:t> not sure of </a:t>
-            </a:r>
-            <a:r>
-              <a:rPr lang="fr-CH" sz="1600" dirty="0" err="1"/>
-              <a:t>any</a:t>
-            </a:r>
-            <a:r>
-              <a:rPr lang="fr-CH" sz="1600" dirty="0"/>
-              <a:t> of the </a:t>
-            </a:r>
-            <a:r>
-              <a:rPr lang="fr-CH" sz="1600" dirty="0" err="1"/>
-              <a:t>layers</a:t>
-            </a:r>
-            <a:r>
-              <a:rPr lang="fr-CH" sz="1600" dirty="0"/>
-              <a:t> in the middle</a:t>
-            </a:r>
-          </a:p>
-          <a:p>
-            <a:pPr marL="0" indent="0">
-              <a:buNone/>
-            </a:pPr>
-            <a:r>
-              <a:rPr lang="fr-CH" sz="1600" dirty="0"/>
-              <a:t>-&gt; Dense </a:t>
-            </a:r>
-            <a:r>
-              <a:rPr lang="fr-CH" sz="1600" dirty="0" err="1"/>
-              <a:t>fully</a:t>
-            </a:r>
-            <a:r>
-              <a:rPr lang="fr-CH" sz="1600" dirty="0"/>
-              <a:t> </a:t>
-            </a:r>
-            <a:r>
-              <a:rPr lang="fr-CH" sz="1600" dirty="0" err="1"/>
-              <a:t>connected</a:t>
-            </a:r>
-            <a:r>
-              <a:rPr lang="fr-CH" sz="1600" dirty="0"/>
-              <a:t> </a:t>
-            </a:r>
-            <a:r>
-              <a:rPr lang="fr-CH" sz="1600" dirty="0" err="1"/>
-              <a:t>layers</a:t>
-            </a:r>
-            <a:r>
-              <a:rPr lang="fr-CH" sz="1600" dirty="0"/>
-              <a:t> at the end </a:t>
-            </a:r>
-            <a:r>
-              <a:rPr lang="fr-CH" sz="1600" dirty="0" err="1"/>
-              <a:t>because</a:t>
-            </a:r>
-            <a:r>
-              <a:rPr lang="fr-CH" sz="1600" dirty="0"/>
-              <a:t> </a:t>
-            </a:r>
-            <a:r>
-              <a:rPr lang="fr-CH" sz="1600" dirty="0" err="1"/>
-              <a:t>peaks</a:t>
-            </a:r>
-            <a:r>
-              <a:rPr lang="fr-CH" sz="1600" dirty="0"/>
-              <a:t> -&gt; plastic(s)</a:t>
-            </a:r>
-            <a:endParaRPr lang="en-CH" sz="1600" dirty="0"/>
-          </a:p>
-        </p:txBody>
-      </p:sp>
-      <p:pic>
-        <p:nvPicPr>
-          <p:cNvPr id="6" name="Picture 5">
-            <a:extLst>
-              <a:ext uri="{FF2B5EF4-FFF2-40B4-BE49-F238E27FC236}">
-                <a16:creationId xmlns:a16="http://schemas.microsoft.com/office/drawing/2014/main" id="{3E24C554-B967-725E-1C95-6D43CDACDFEA}"/>
-              </a:ext>
-            </a:extLst>
-          </p:cNvPr>
-          <p:cNvPicPr>
-            <a:picLocks noChangeAspect="1"/>
-          </p:cNvPicPr>
-          <p:nvPr/>
-        </p:nvPicPr>
-        <p:blipFill>
-          <a:blip r:embed="rId2"/>
-          <a:stretch>
-            <a:fillRect/>
-          </a:stretch>
-        </p:blipFill>
-        <p:spPr>
-          <a:xfrm>
-            <a:off x="185738" y="990258"/>
-            <a:ext cx="6744641" cy="4877481"/>
-          </a:xfrm>
-          <a:prstGeom prst="rect">
-            <a:avLst/>
-          </a:prstGeom>
-        </p:spPr>
-      </p:pic>
-    </p:spTree>
-    <p:extLst>
-      <p:ext uri="{BB962C8B-B14F-4D97-AF65-F5344CB8AC3E}">
-        <p14:creationId xmlns:p14="http://schemas.microsoft.com/office/powerpoint/2010/main" val="838513766"/>
-      </p:ext>
-    </p:extLst>
-  </p:cSld>
-  <p:clrMapOvr>
-    <a:masterClrMapping/>
-  </p:clrMapOvr>
-</p:sld>
-</file>
-
-<file path=ppt/slides/slide4.xml><?xml version="1.0" encoding="utf-8"?>
-<p:sld xmlns:a="http://schemas.openxmlformats.org/drawingml/2006/main" xmlns:r="http://schemas.openxmlformats.org/officeDocument/2006/relationships" xmlns:p="http://schemas.openxmlformats.org/presentationml/2006/main">
-  <p:cSld>
-    <p:spTree>
-      <p:nvGrpSpPr>
-        <p:cNvPr id="1" name=""/>
-        <p:cNvGrpSpPr/>
-        <p:nvPr/>
-      </p:nvGrpSpPr>
-      <p:grpSpPr>
-        <a:xfrm>
-          <a:off x="0" y="0"/>
-          <a:ext cx="0" cy="0"/>
-          <a:chOff x="0" y="0"/>
-          <a:chExt cx="0" cy="0"/>
-        </a:xfrm>
-      </p:grpSpPr>
-      <p:sp>
-        <p:nvSpPr>
-          <p:cNvPr id="2" name="Title 1">
-            <a:extLst>
-              <a:ext uri="{FF2B5EF4-FFF2-40B4-BE49-F238E27FC236}">
-                <a16:creationId xmlns:a16="http://schemas.microsoft.com/office/drawing/2014/main" id="{5C047A58-D5AA-CF38-B086-95D01E2B35D6}"/>
-              </a:ext>
-            </a:extLst>
-          </p:cNvPr>
-          <p:cNvSpPr>
-            <a:spLocks noGrp="1"/>
-          </p:cNvSpPr>
-          <p:nvPr>
-            <p:ph type="title"/>
-          </p:nvPr>
-        </p:nvSpPr>
-        <p:spPr/>
-        <p:txBody>
-          <a:bodyPr/>
-          <a:lstStyle/>
-          <a:p>
-            <a:endParaRPr lang="en-US"/>
-          </a:p>
-        </p:txBody>
-      </p:sp>
-      <p:sp>
-        <p:nvSpPr>
-          <p:cNvPr id="3" name="Content Placeholder 2">
-            <a:extLst>
-              <a:ext uri="{FF2B5EF4-FFF2-40B4-BE49-F238E27FC236}">
-                <a16:creationId xmlns:a16="http://schemas.microsoft.com/office/drawing/2014/main" id="{D7748108-4169-790D-C3E5-EF12976B8C5E}"/>
-              </a:ext>
-            </a:extLst>
-          </p:cNvPr>
-          <p:cNvSpPr>
-            <a:spLocks noGrp="1"/>
-          </p:cNvSpPr>
-          <p:nvPr>
-            <p:ph idx="1"/>
-          </p:nvPr>
-        </p:nvSpPr>
-        <p:spPr/>
-        <p:txBody>
-          <a:bodyPr>
-            <a:normAutofit/>
-          </a:bodyPr>
-          <a:lstStyle/>
-          <a:p>
-            <a:pPr marL="0" indent="0">
-              <a:buNone/>
-            </a:pPr>
-            <a:r>
-              <a:rPr lang="en-US" sz="1800" dirty="0"/>
-              <a:t>Problems to solve</a:t>
-            </a:r>
-          </a:p>
-          <a:p>
-            <a:pPr marL="0" indent="0">
-              <a:buNone/>
-            </a:pPr>
-            <a:r>
-              <a:rPr lang="en-US" sz="1800" dirty="0"/>
-              <a:t>Database structure: how to feed all the samples to the network (separate the samples by sample ID)</a:t>
-            </a:r>
-          </a:p>
-          <a:p>
-            <a:pPr marL="0" indent="0">
-              <a:buNone/>
-            </a:pPr>
-            <a:endParaRPr lang="en-US" sz="1800" dirty="0"/>
-          </a:p>
-        </p:txBody>
-      </p:sp>
-    </p:spTree>
-    <p:extLst>
-      <p:ext uri="{BB962C8B-B14F-4D97-AF65-F5344CB8AC3E}">
-        <p14:creationId xmlns:p14="http://schemas.microsoft.com/office/powerpoint/2010/main" val="2822131384"/>
-      </p:ext>
-    </p:extLst>
-  </p:cSld>
-  <p:clrMapOvr>
-    <a:masterClrMapping/>
-  </p:clrMapOvr>
-</p:sld>
-</file>
-
-<file path=ppt/slides/slide5.xml><?xml version="1.0" encoding="utf-8"?>
-<p:sld xmlns:a="http://schemas.openxmlformats.org/drawingml/2006/main" xmlns:r="http://schemas.openxmlformats.org/officeDocument/2006/relationships" xmlns:p="http://schemas.openxmlformats.org/presentationml/2006/main">
-  <p:cSld>
-    <p:spTree>
-      <p:nvGrpSpPr>
-        <p:cNvPr id="1" name=""/>
-        <p:cNvGrpSpPr/>
-        <p:nvPr/>
-      </p:nvGrpSpPr>
-      <p:grpSpPr>
-        <a:xfrm>
-          <a:off x="0" y="0"/>
-          <a:ext cx="0" cy="0"/>
-          <a:chOff x="0" y="0"/>
-          <a:chExt cx="0" cy="0"/>
-        </a:xfrm>
-      </p:grpSpPr>
-      <p:sp>
-        <p:nvSpPr>
-          <p:cNvPr id="2" name="Title 1">
-            <a:extLst>
-              <a:ext uri="{FF2B5EF4-FFF2-40B4-BE49-F238E27FC236}">
-                <a16:creationId xmlns:a16="http://schemas.microsoft.com/office/drawing/2014/main" id="{2B1C37AE-5DCD-9900-F778-DD45A29B1226}"/>
-              </a:ext>
-            </a:extLst>
-          </p:cNvPr>
-          <p:cNvSpPr>
-            <a:spLocks noGrp="1"/>
-          </p:cNvSpPr>
-          <p:nvPr>
-            <p:ph type="title"/>
-          </p:nvPr>
-        </p:nvSpPr>
-        <p:spPr>
-          <a:xfrm>
-            <a:off x="6096000" y="1523413"/>
-            <a:ext cx="5612876" cy="2422421"/>
-          </a:xfrm>
-        </p:spPr>
-        <p:txBody>
-          <a:bodyPr>
-            <a:normAutofit/>
-          </a:bodyPr>
-          <a:lstStyle/>
-          <a:p>
-            <a:r>
-              <a:rPr lang="en-US" sz="1800" dirty="0"/>
-              <a:t>Added drop-down menu.</a:t>
-            </a:r>
-            <a:br>
-              <a:rPr lang="en-US" sz="1400" dirty="0"/>
-            </a:br>
-            <a:r>
-              <a:rPr lang="en-US" sz="1400" dirty="0"/>
-              <a:t>Possibility for user to choose the layers and customize. -&gt; do we want this ?</a:t>
-            </a:r>
-            <a:br>
-              <a:rPr lang="en-US" sz="1400" dirty="0"/>
-            </a:br>
-            <a:r>
-              <a:rPr lang="en-US" sz="1400" dirty="0"/>
-              <a:t>Do we keep model versions ?</a:t>
-            </a:r>
-            <a:br>
-              <a:rPr lang="en-US" sz="1400" dirty="0"/>
-            </a:br>
-            <a:br>
-              <a:rPr lang="en-US" sz="1400" dirty="0"/>
-            </a:br>
-            <a:r>
-              <a:rPr lang="en-US" sz="1400" dirty="0"/>
-              <a:t>In that case we should store 1 model cache per each possibility of model.</a:t>
-            </a:r>
-            <a:br>
-              <a:rPr lang="en-US" sz="1400" dirty="0"/>
-            </a:br>
-            <a:br>
-              <a:rPr lang="en-US" sz="1400" dirty="0"/>
-            </a:br>
-            <a:br>
-              <a:rPr lang="en-US" sz="1400" dirty="0"/>
-            </a:br>
-            <a:br>
-              <a:rPr lang="en-US" sz="1400" dirty="0"/>
-            </a:br>
-            <a:br>
-              <a:rPr lang="en-US" sz="1400" dirty="0"/>
-            </a:br>
-            <a:endParaRPr lang="en-CH" sz="1600" dirty="0"/>
-          </a:p>
-        </p:txBody>
-      </p:sp>
-      <p:pic>
-        <p:nvPicPr>
-          <p:cNvPr id="11" name="Picture 10">
-            <a:extLst>
-              <a:ext uri="{FF2B5EF4-FFF2-40B4-BE49-F238E27FC236}">
-                <a16:creationId xmlns:a16="http://schemas.microsoft.com/office/drawing/2014/main" id="{6903FED2-E9A3-46FE-3222-339FC45A23EB}"/>
-              </a:ext>
-            </a:extLst>
-          </p:cNvPr>
-          <p:cNvPicPr>
-            <a:picLocks noChangeAspect="1"/>
-          </p:cNvPicPr>
-          <p:nvPr/>
-        </p:nvPicPr>
-        <p:blipFill>
-          <a:blip r:embed="rId2"/>
-          <a:stretch>
-            <a:fillRect/>
-          </a:stretch>
-        </p:blipFill>
-        <p:spPr>
-          <a:xfrm>
-            <a:off x="168965" y="210849"/>
-            <a:ext cx="5363323" cy="4667901"/>
-          </a:xfrm>
-          <a:prstGeom prst="rect">
-            <a:avLst/>
-          </a:prstGeom>
-        </p:spPr>
-      </p:pic>
-      <p:pic>
-        <p:nvPicPr>
-          <p:cNvPr id="12" name="Picture 11">
-            <a:extLst>
-              <a:ext uri="{FF2B5EF4-FFF2-40B4-BE49-F238E27FC236}">
-                <a16:creationId xmlns:a16="http://schemas.microsoft.com/office/drawing/2014/main" id="{F7F269AA-3DFE-04C5-34E9-71E5B0C02A6D}"/>
-              </a:ext>
-            </a:extLst>
-          </p:cNvPr>
-          <p:cNvPicPr>
-            <a:picLocks noChangeAspect="1"/>
-          </p:cNvPicPr>
-          <p:nvPr/>
-        </p:nvPicPr>
-        <p:blipFill>
-          <a:blip r:embed="rId2"/>
-          <a:stretch>
-            <a:fillRect/>
-          </a:stretch>
-        </p:blipFill>
-        <p:spPr>
-          <a:xfrm>
-            <a:off x="79512" y="81640"/>
-            <a:ext cx="5363323" cy="4667901"/>
-          </a:xfrm>
-          <a:prstGeom prst="rect">
-            <a:avLst/>
-          </a:prstGeom>
-        </p:spPr>
-      </p:pic>
-    </p:spTree>
-    <p:extLst>
-      <p:ext uri="{BB962C8B-B14F-4D97-AF65-F5344CB8AC3E}">
-        <p14:creationId xmlns:p14="http://schemas.microsoft.com/office/powerpoint/2010/main" val="3972903620"/>
-      </p:ext>
-    </p:extLst>
-  </p:cSld>
-  <p:clrMapOvr>
-    <a:masterClrMapping/>
-  </p:clrMapOvr>
-</p:sld>
-</file>
-
-<file path=ppt/slides/slide6.xml><?xml version="1.0" encoding="utf-8"?>
-<p:sld xmlns:a="http://schemas.openxmlformats.org/drawingml/2006/main" xmlns:r="http://schemas.openxmlformats.org/officeDocument/2006/relationships" xmlns:p="http://schemas.openxmlformats.org/presentationml/2006/main">
-  <p:cSld>
-    <p:spTree>
-      <p:nvGrpSpPr>
-        <p:cNvPr id="1" name=""/>
-        <p:cNvGrpSpPr/>
-        <p:nvPr/>
-      </p:nvGrpSpPr>
-      <p:grpSpPr>
-        <a:xfrm>
-          <a:off x="0" y="0"/>
-          <a:ext cx="0" cy="0"/>
-          <a:chOff x="0" y="0"/>
-          <a:chExt cx="0" cy="0"/>
-        </a:xfrm>
-      </p:grpSpPr>
-      <p:sp>
-        <p:nvSpPr>
-          <p:cNvPr id="3" name="Content Placeholder 2">
-            <a:extLst>
-              <a:ext uri="{FF2B5EF4-FFF2-40B4-BE49-F238E27FC236}">
-                <a16:creationId xmlns:a16="http://schemas.microsoft.com/office/drawing/2014/main" id="{0034D73C-3B25-FF42-CCEB-FFEF1244076B}"/>
-              </a:ext>
-            </a:extLst>
-          </p:cNvPr>
-          <p:cNvSpPr>
-            <a:spLocks noGrp="1"/>
-          </p:cNvSpPr>
-          <p:nvPr>
-            <p:ph idx="1"/>
-          </p:nvPr>
-        </p:nvSpPr>
-        <p:spPr>
-          <a:xfrm>
-            <a:off x="142461" y="573294"/>
-            <a:ext cx="8883034" cy="5618784"/>
-          </a:xfrm>
-        </p:spPr>
-        <p:txBody>
-          <a:bodyPr>
-            <a:normAutofit/>
-          </a:bodyPr>
-          <a:lstStyle/>
-          <a:p>
-            <a:pPr marL="0" indent="0">
-              <a:buNone/>
-            </a:pPr>
-            <a:r>
-              <a:rPr lang="en-US" sz="2000" dirty="0"/>
-              <a:t>The final model cache should take about ~ 180 MB of space (estimate)</a:t>
-            </a:r>
-          </a:p>
-          <a:p>
-            <a:pPr marL="0" indent="0">
-              <a:buNone/>
-            </a:pPr>
-            <a:r>
-              <a:rPr lang="en-US" sz="1600" dirty="0"/>
-              <a:t>I tried training with one sample only using </a:t>
-            </a:r>
-            <a:r>
-              <a:rPr lang="en-US" sz="1600" dirty="0" err="1"/>
-              <a:t>get_spectrum</a:t>
-            </a:r>
-            <a:r>
-              <a:rPr lang="en-US" sz="1600" dirty="0"/>
-              <a:t>(</a:t>
-            </a:r>
-            <a:r>
-              <a:rPr lang="en-US" sz="1600" dirty="0" err="1"/>
-              <a:t>material_id</a:t>
-            </a:r>
-            <a:r>
-              <a:rPr lang="en-US" sz="1600" dirty="0"/>
-              <a:t>). It works for now  (the weights get created). Still need to make a function that only feeds the wavelengths to the NN, and ignores plots.</a:t>
-            </a:r>
-          </a:p>
-          <a:p>
-            <a:pPr marL="0" indent="0">
-              <a:buNone/>
-            </a:pPr>
-            <a:endParaRPr lang="en-US" sz="1600" dirty="0"/>
-          </a:p>
-          <a:p>
-            <a:pPr marL="0" indent="0">
-              <a:buNone/>
-            </a:pPr>
-            <a:endParaRPr lang="en-US" sz="1600" dirty="0"/>
-          </a:p>
-          <a:p>
-            <a:pPr marL="0" indent="0">
-              <a:buNone/>
-            </a:pPr>
-            <a:r>
-              <a:rPr lang="en-US" sz="1600" dirty="0"/>
-              <a:t>Same problem for last week about the wavelengths, some samples are integer wavelengths (3025.0 , 3024.0, ….), but some have decimals. So for the NN training  I will design a function that connects the datapoints and gives out the same values. Hopefully there is no need to make a new DB but I can integrate this at the end of the </a:t>
-            </a:r>
-            <a:r>
-              <a:rPr lang="en-US" sz="1600" dirty="0" err="1"/>
-              <a:t>get_spectrum</a:t>
-            </a:r>
-            <a:r>
-              <a:rPr lang="en-US" sz="1600" dirty="0"/>
-              <a:t> function and do it each time the sample gets called.</a:t>
-            </a:r>
-          </a:p>
-          <a:p>
-            <a:pPr marL="0" indent="0">
-              <a:buNone/>
-            </a:pPr>
-            <a:r>
-              <a:rPr lang="en-US" sz="1600" dirty="0"/>
-              <a:t>^ This is needed for training with all samples (I only trained one). -&gt; We won’t have this problem anymore when we build our own dataset (we will sample always at given wavelengths)</a:t>
-            </a:r>
-          </a:p>
-          <a:p>
-            <a:pPr marL="0" indent="0">
-              <a:buNone/>
-            </a:pPr>
-            <a:r>
-              <a:rPr lang="en-US" sz="1600" dirty="0"/>
-              <a:t>^ Although, I would like to first try some modules that are already made for this and don’t require resampling.</a:t>
-            </a:r>
-          </a:p>
-        </p:txBody>
-      </p:sp>
-      <p:pic>
-        <p:nvPicPr>
-          <p:cNvPr id="5" name="Picture 4">
-            <a:extLst>
-              <a:ext uri="{FF2B5EF4-FFF2-40B4-BE49-F238E27FC236}">
-                <a16:creationId xmlns:a16="http://schemas.microsoft.com/office/drawing/2014/main" id="{FDF9649C-F38D-0A7F-4458-36A84DAFE9AB}"/>
-              </a:ext>
-            </a:extLst>
-          </p:cNvPr>
-          <p:cNvPicPr>
-            <a:picLocks noChangeAspect="1"/>
-          </p:cNvPicPr>
-          <p:nvPr/>
-        </p:nvPicPr>
-        <p:blipFill>
-          <a:blip r:embed="rId2"/>
-          <a:stretch>
-            <a:fillRect/>
-          </a:stretch>
-        </p:blipFill>
-        <p:spPr>
-          <a:xfrm>
-            <a:off x="9025495" y="0"/>
-            <a:ext cx="3166505" cy="3742233"/>
-          </a:xfrm>
-          <a:prstGeom prst="rect">
-            <a:avLst/>
-          </a:prstGeom>
-        </p:spPr>
-      </p:pic>
-    </p:spTree>
-    <p:extLst>
-      <p:ext uri="{BB962C8B-B14F-4D97-AF65-F5344CB8AC3E}">
-        <p14:creationId xmlns:p14="http://schemas.microsoft.com/office/powerpoint/2010/main" val="4083268458"/>
-      </p:ext>
-    </p:extLst>
-  </p:cSld>
-  <p:clrMapOvr>
-    <a:masterClrMapping/>
-  </p:clrMapOvr>
-</p:sld>
-</file>
-
-<file path=ppt/slides/slide7.xml><?xml version="1.0" encoding="utf-8"?>
-<p:sld xmlns:a="http://schemas.openxmlformats.org/drawingml/2006/main" xmlns:r="http://schemas.openxmlformats.org/officeDocument/2006/relationships" xmlns:p="http://schemas.openxmlformats.org/presentationml/2006/main">
-  <p:cSld>
-    <p:spTree>
-      <p:nvGrpSpPr>
-        <p:cNvPr id="1" name=""/>
-        <p:cNvGrpSpPr/>
-        <p:nvPr/>
-      </p:nvGrpSpPr>
-      <p:grpSpPr>
-        <a:xfrm>
-          <a:off x="0" y="0"/>
-          <a:ext cx="0" cy="0"/>
-          <a:chOff x="0" y="0"/>
-          <a:chExt cx="0" cy="0"/>
-        </a:xfrm>
-      </p:grpSpPr>
-      <p:sp>
-        <p:nvSpPr>
-          <p:cNvPr id="2" name="Title 1">
-            <a:extLst>
-              <a:ext uri="{FF2B5EF4-FFF2-40B4-BE49-F238E27FC236}">
-                <a16:creationId xmlns:a16="http://schemas.microsoft.com/office/drawing/2014/main" id="{ACB6D437-4EE7-BBBA-D74C-BDD5B79C04C5}"/>
-              </a:ext>
-            </a:extLst>
-          </p:cNvPr>
-          <p:cNvSpPr>
-            <a:spLocks noGrp="1"/>
-          </p:cNvSpPr>
-          <p:nvPr>
-            <p:ph type="title"/>
-          </p:nvPr>
-        </p:nvSpPr>
-        <p:spPr>
-          <a:xfrm>
-            <a:off x="399809" y="2709731"/>
-            <a:ext cx="5537165" cy="3682099"/>
-          </a:xfrm>
-        </p:spPr>
-        <p:txBody>
-          <a:bodyPr>
-            <a:normAutofit/>
-          </a:bodyPr>
-          <a:lstStyle/>
-          <a:p>
-            <a:r>
-              <a:rPr lang="en-US" sz="1600" dirty="0"/>
-              <a:t>I kept the same module architecture as last week but sometimes removed a layer for training.</a:t>
-            </a:r>
-            <a:br>
-              <a:rPr lang="en-US" sz="1600" dirty="0"/>
-            </a:br>
-            <a:br>
-              <a:rPr lang="en-US" sz="1600" dirty="0"/>
-            </a:br>
-            <a:br>
-              <a:rPr lang="en-US" sz="1600" dirty="0"/>
-            </a:br>
-            <a:br>
-              <a:rPr lang="en-US" sz="1600" dirty="0"/>
-            </a:br>
-            <a:br>
-              <a:rPr lang="en-US" sz="1600" dirty="0"/>
-            </a:br>
-            <a:br>
-              <a:rPr lang="en-US" sz="1600" dirty="0"/>
-            </a:br>
-            <a:br>
-              <a:rPr lang="en-US" sz="1600" dirty="0"/>
-            </a:br>
-            <a:br>
-              <a:rPr lang="en-US" sz="1600" dirty="0"/>
-            </a:br>
-            <a:br>
-              <a:rPr lang="en-US" sz="1600" dirty="0"/>
-            </a:br>
-            <a:br>
-              <a:rPr lang="en-US" sz="1600" dirty="0"/>
-            </a:br>
-            <a:br>
-              <a:rPr lang="en-US" sz="1200" dirty="0"/>
-            </a:br>
-            <a:r>
-              <a:rPr lang="en-US" sz="1200" dirty="0"/>
-              <a:t>Idea : design a user friendly way of customizing the model, training it (on a computer) and then exporting just the cache to the </a:t>
-            </a:r>
-            <a:r>
-              <a:rPr lang="en-US" sz="1200" dirty="0" err="1"/>
-              <a:t>raspberryPI</a:t>
-            </a:r>
-            <a:r>
-              <a:rPr lang="en-US" sz="1200" dirty="0"/>
-              <a:t>.</a:t>
-            </a:r>
-            <a:br>
-              <a:rPr lang="en-US" sz="1200" dirty="0"/>
-            </a:br>
-            <a:r>
-              <a:rPr lang="en-US" sz="1200" dirty="0"/>
-              <a:t>In my opinion it’s pointless, the model should already work. But can be cool for user.</a:t>
-            </a:r>
-            <a:endParaRPr lang="en-CH" sz="1600" dirty="0"/>
-          </a:p>
-        </p:txBody>
-      </p:sp>
-      <p:pic>
-        <p:nvPicPr>
-          <p:cNvPr id="4" name="Picture 3">
-            <a:extLst>
-              <a:ext uri="{FF2B5EF4-FFF2-40B4-BE49-F238E27FC236}">
-                <a16:creationId xmlns:a16="http://schemas.microsoft.com/office/drawing/2014/main" id="{BED1EB57-DAE2-2DE0-CCE8-919FAFBDDA3E}"/>
-              </a:ext>
-            </a:extLst>
-          </p:cNvPr>
-          <p:cNvPicPr>
-            <a:picLocks noChangeAspect="1"/>
-          </p:cNvPicPr>
-          <p:nvPr/>
-        </p:nvPicPr>
-        <p:blipFill>
-          <a:blip r:embed="rId2"/>
-          <a:stretch>
-            <a:fillRect/>
-          </a:stretch>
-        </p:blipFill>
-        <p:spPr>
-          <a:xfrm>
-            <a:off x="6455722" y="2709731"/>
-            <a:ext cx="5736278" cy="4148269"/>
-          </a:xfrm>
-          <a:prstGeom prst="rect">
-            <a:avLst/>
-          </a:prstGeom>
-        </p:spPr>
-      </p:pic>
-    </p:spTree>
-    <p:extLst>
-      <p:ext uri="{BB962C8B-B14F-4D97-AF65-F5344CB8AC3E}">
-        <p14:creationId xmlns:p14="http://schemas.microsoft.com/office/powerpoint/2010/main" val="3978462420"/>
-      </p:ext>
-    </p:extLst>
-  </p:cSld>
-  <p:clrMapOvr>
-    <a:masterClrMapping/>
-  </p:clrMapOvr>
-</p:sld>
-</file>
-
-<file path=ppt/slides/slide8.xml><?xml version="1.0" encoding="utf-8"?>
-<p:sld xmlns:a="http://schemas.openxmlformats.org/drawingml/2006/main" xmlns:r="http://schemas.openxmlformats.org/officeDocument/2006/relationships" xmlns:p="http://schemas.openxmlformats.org/presentationml/2006/main">
-  <p:cSld>
-    <p:spTree>
-      <p:nvGrpSpPr>
-        <p:cNvPr id="1" name=""/>
-        <p:cNvGrpSpPr/>
-        <p:nvPr/>
-      </p:nvGrpSpPr>
-      <p:grpSpPr>
-        <a:xfrm>
-          <a:off x="0" y="0"/>
-          <a:ext cx="0" cy="0"/>
-          <a:chOff x="0" y="0"/>
-          <a:chExt cx="0" cy="0"/>
-        </a:xfrm>
-      </p:grpSpPr>
-      <p:sp>
-        <p:nvSpPr>
-          <p:cNvPr id="2" name="Title 1">
-            <a:extLst>
-              <a:ext uri="{FF2B5EF4-FFF2-40B4-BE49-F238E27FC236}">
-                <a16:creationId xmlns:a16="http://schemas.microsoft.com/office/drawing/2014/main" id="{C35F2F2E-6AD2-B2A1-7A19-C67B5981C433}"/>
-              </a:ext>
-            </a:extLst>
-          </p:cNvPr>
-          <p:cNvSpPr>
-            <a:spLocks noGrp="1"/>
-          </p:cNvSpPr>
-          <p:nvPr>
-            <p:ph type="title"/>
-          </p:nvPr>
-        </p:nvSpPr>
-        <p:spPr/>
-        <p:txBody>
-          <a:bodyPr/>
-          <a:lstStyle/>
-          <a:p>
-            <a:endParaRPr lang="en-CH"/>
-          </a:p>
-        </p:txBody>
-      </p:sp>
-      <p:sp>
-        <p:nvSpPr>
-          <p:cNvPr id="3" name="Content Placeholder 2">
-            <a:extLst>
-              <a:ext uri="{FF2B5EF4-FFF2-40B4-BE49-F238E27FC236}">
-                <a16:creationId xmlns:a16="http://schemas.microsoft.com/office/drawing/2014/main" id="{048C24EC-C632-61A9-7FF8-38D0599C1ACC}"/>
-              </a:ext>
-            </a:extLst>
-          </p:cNvPr>
-          <p:cNvSpPr>
-            <a:spLocks noGrp="1"/>
-          </p:cNvSpPr>
-          <p:nvPr>
-            <p:ph idx="1"/>
-          </p:nvPr>
-        </p:nvSpPr>
-        <p:spPr/>
-        <p:txBody>
-          <a:bodyPr/>
-          <a:lstStyle/>
-          <a:p>
-            <a:endParaRPr lang="en-CH"/>
-          </a:p>
-        </p:txBody>
-      </p:sp>
-    </p:spTree>
-    <p:extLst>
-      <p:ext uri="{BB962C8B-B14F-4D97-AF65-F5344CB8AC3E}">
-        <p14:creationId xmlns:p14="http://schemas.microsoft.com/office/powerpoint/2010/main" val="2328679223"/>
-      </p:ext>
-    </p:extLst>
-  </p:cSld>
-  <p:clrMapOvr>
-    <a:masterClrMapping/>
-  </p:clrMapOvr>
-</p:sld>
-</file>
-
-<file path=ppt/slides/slide9.xml><?xml version="1.0" encoding="utf-8"?>
-<p:sld xmlns:a="http://schemas.openxmlformats.org/drawingml/2006/main" xmlns:r="http://schemas.openxmlformats.org/officeDocument/2006/relationships" xmlns:p="http://schemas.openxmlformats.org/presentationml/2006/main">
-  <p:cSld>
-    <p:spTree>
-      <p:nvGrpSpPr>
-        <p:cNvPr id="1" name=""/>
-        <p:cNvGrpSpPr/>
-        <p:nvPr/>
-      </p:nvGrpSpPr>
-      <p:grpSpPr>
-        <a:xfrm>
-          <a:off x="0" y="0"/>
-          <a:ext cx="0" cy="0"/>
-          <a:chOff x="0" y="0"/>
-          <a:chExt cx="0" cy="0"/>
-        </a:xfrm>
-      </p:grpSpPr>
-      <p:sp>
-        <p:nvSpPr>
-          <p:cNvPr id="2" name="Title 1">
-            <a:extLst>
-              <a:ext uri="{FF2B5EF4-FFF2-40B4-BE49-F238E27FC236}">
-                <a16:creationId xmlns:a16="http://schemas.microsoft.com/office/drawing/2014/main" id="{E3DEF6C7-A0B9-2E2C-A3A2-60AA7C224BDB}"/>
-              </a:ext>
-            </a:extLst>
-          </p:cNvPr>
-          <p:cNvSpPr>
-            <a:spLocks noGrp="1"/>
-          </p:cNvSpPr>
-          <p:nvPr>
-            <p:ph type="title"/>
-          </p:nvPr>
-        </p:nvSpPr>
-        <p:spPr/>
-        <p:txBody>
-          <a:bodyPr/>
-          <a:lstStyle/>
-          <a:p>
-            <a:endParaRPr lang="en-CH"/>
-          </a:p>
-        </p:txBody>
-      </p:sp>
-      <p:sp>
-        <p:nvSpPr>
-          <p:cNvPr id="3" name="Content Placeholder 2">
-            <a:extLst>
-              <a:ext uri="{FF2B5EF4-FFF2-40B4-BE49-F238E27FC236}">
-                <a16:creationId xmlns:a16="http://schemas.microsoft.com/office/drawing/2014/main" id="{389834F5-CA28-7174-4963-8ECAEC18024F}"/>
-              </a:ext>
-            </a:extLst>
-          </p:cNvPr>
-          <p:cNvSpPr>
-            <a:spLocks noGrp="1"/>
-          </p:cNvSpPr>
-          <p:nvPr>
-            <p:ph idx="1"/>
-          </p:nvPr>
-        </p:nvSpPr>
-        <p:spPr/>
-        <p:txBody>
-          <a:bodyPr/>
-          <a:lstStyle/>
-          <a:p>
-            <a:endParaRPr lang="en-CH"/>
-          </a:p>
-        </p:txBody>
-      </p:sp>
-    </p:spTree>
-    <p:extLst>
-      <p:ext uri="{BB962C8B-B14F-4D97-AF65-F5344CB8AC3E}">
-        <p14:creationId xmlns:p14="http://schemas.microsoft.com/office/powerpoint/2010/main" val="3312458893"/>
       </p:ext>
     </p:extLst>
   </p:cSld>
